--- a/SOLIDArchitecture/SOLIDArchitecture.pptx
+++ b/SOLIDArchitecture/SOLIDArchitecture.pptx
@@ -248,7 +248,7 @@
           <a:p>
             <a:fld id="{BA11CBBD-FCCC-4341-9A07-9341F6C54581}" type="datetimeFigureOut">
               <a:rPr lang="en-US" smtClean="0"/>
-              <a:t>6/17/2015</a:t>
+              <a:t>6/25/2015</a:t>
             </a:fld>
             <a:endParaRPr lang="en-US"/>
           </a:p>
@@ -825,7 +825,7 @@
           <a:p>
             <a:fld id="{A2B0D24E-6441-4C34-9150-7D417DBEA707}" type="datetimeFigureOut">
               <a:rPr lang="en-US" smtClean="0"/>
-              <a:t>6/17/2015</a:t>
+              <a:t>6/25/2015</a:t>
             </a:fld>
             <a:endParaRPr lang="en-US"/>
           </a:p>
@@ -995,7 +995,7 @@
           <a:p>
             <a:fld id="{A2B0D24E-6441-4C34-9150-7D417DBEA707}" type="datetimeFigureOut">
               <a:rPr lang="en-US" smtClean="0"/>
-              <a:t>6/17/2015</a:t>
+              <a:t>6/25/2015</a:t>
             </a:fld>
             <a:endParaRPr lang="en-US"/>
           </a:p>
@@ -1175,7 +1175,7 @@
           <a:p>
             <a:fld id="{A2B0D24E-6441-4C34-9150-7D417DBEA707}" type="datetimeFigureOut">
               <a:rPr lang="en-US" smtClean="0"/>
-              <a:t>6/17/2015</a:t>
+              <a:t>6/25/2015</a:t>
             </a:fld>
             <a:endParaRPr lang="en-US"/>
           </a:p>
@@ -1345,7 +1345,7 @@
           <a:p>
             <a:fld id="{A2B0D24E-6441-4C34-9150-7D417DBEA707}" type="datetimeFigureOut">
               <a:rPr lang="en-US" smtClean="0"/>
-              <a:t>6/17/2015</a:t>
+              <a:t>6/25/2015</a:t>
             </a:fld>
             <a:endParaRPr lang="en-US"/>
           </a:p>
@@ -1591,7 +1591,7 @@
           <a:p>
             <a:fld id="{A2B0D24E-6441-4C34-9150-7D417DBEA707}" type="datetimeFigureOut">
               <a:rPr lang="en-US" smtClean="0"/>
-              <a:t>6/17/2015</a:t>
+              <a:t>6/25/2015</a:t>
             </a:fld>
             <a:endParaRPr lang="en-US"/>
           </a:p>
@@ -1823,7 +1823,7 @@
           <a:p>
             <a:fld id="{A2B0D24E-6441-4C34-9150-7D417DBEA707}" type="datetimeFigureOut">
               <a:rPr lang="en-US" smtClean="0"/>
-              <a:t>6/17/2015</a:t>
+              <a:t>6/25/2015</a:t>
             </a:fld>
             <a:endParaRPr lang="en-US"/>
           </a:p>
@@ -2190,7 +2190,7 @@
           <a:p>
             <a:fld id="{A2B0D24E-6441-4C34-9150-7D417DBEA707}" type="datetimeFigureOut">
               <a:rPr lang="en-US" smtClean="0"/>
-              <a:t>6/17/2015</a:t>
+              <a:t>6/25/2015</a:t>
             </a:fld>
             <a:endParaRPr lang="en-US"/>
           </a:p>
@@ -2308,7 +2308,7 @@
           <a:p>
             <a:fld id="{A2B0D24E-6441-4C34-9150-7D417DBEA707}" type="datetimeFigureOut">
               <a:rPr lang="en-US" smtClean="0"/>
-              <a:t>6/17/2015</a:t>
+              <a:t>6/25/2015</a:t>
             </a:fld>
             <a:endParaRPr lang="en-US"/>
           </a:p>
@@ -2403,7 +2403,7 @@
           <a:p>
             <a:fld id="{A2B0D24E-6441-4C34-9150-7D417DBEA707}" type="datetimeFigureOut">
               <a:rPr lang="en-US" smtClean="0"/>
-              <a:t>6/17/2015</a:t>
+              <a:t>6/25/2015</a:t>
             </a:fld>
             <a:endParaRPr lang="en-US"/>
           </a:p>
@@ -2680,7 +2680,7 @@
           <a:p>
             <a:fld id="{A2B0D24E-6441-4C34-9150-7D417DBEA707}" type="datetimeFigureOut">
               <a:rPr lang="en-US" smtClean="0"/>
-              <a:t>6/17/2015</a:t>
+              <a:t>6/25/2015</a:t>
             </a:fld>
             <a:endParaRPr lang="en-US"/>
           </a:p>
@@ -2933,7 +2933,7 @@
           <a:p>
             <a:fld id="{A2B0D24E-6441-4C34-9150-7D417DBEA707}" type="datetimeFigureOut">
               <a:rPr lang="en-US" smtClean="0"/>
-              <a:t>6/17/2015</a:t>
+              <a:t>6/25/2015</a:t>
             </a:fld>
             <a:endParaRPr lang="en-US"/>
           </a:p>
@@ -3146,7 +3146,7 @@
           <a:p>
             <a:fld id="{A2B0D24E-6441-4C34-9150-7D417DBEA707}" type="datetimeFigureOut">
               <a:rPr lang="en-US" smtClean="0"/>
-              <a:t>6/17/2015</a:t>
+              <a:t>6/25/2015</a:t>
             </a:fld>
             <a:endParaRPr lang="en-US"/>
           </a:p>
@@ -3797,7 +3797,7 @@
         </p:blipFill>
         <p:spPr bwMode="auto">
           <a:xfrm>
-            <a:off x="2007389" y="5600784"/>
+            <a:off x="2007389" y="5617260"/>
             <a:ext cx="3183567" cy="578830"/>
           </a:xfrm>
           <a:prstGeom prst="rect">
@@ -15135,7 +15135,6 @@
               <a:rPr lang="en-US" dirty="0" smtClean="0"/>
               <a:t>/presentations</a:t>
             </a:r>
-            <a:endParaRPr lang="en-US" dirty="0" smtClean="0"/>
           </a:p>
         </p:txBody>
       </p:sp>

--- a/SOLIDArchitecture/SOLIDArchitecture.pptx
+++ b/SOLIDArchitecture/SOLIDArchitecture.pptx
@@ -59,7 +59,7 @@
     <p:sldId id="303" r:id="rId50"/>
     <p:sldId id="305" r:id="rId51"/>
     <p:sldId id="302" r:id="rId52"/>
-    <p:sldId id="304" r:id="rId53"/>
+    <p:sldId id="310" r:id="rId53"/>
   </p:sldIdLst>
   <p:sldSz cx="12192000" cy="6858000"/>
   <p:notesSz cx="6858000" cy="9144000"/>
@@ -248,7 +248,7 @@
           <a:p>
             <a:fld id="{BA11CBBD-FCCC-4341-9A07-9341F6C54581}" type="datetimeFigureOut">
               <a:rPr lang="en-US" smtClean="0"/>
-              <a:t>6/25/2015</a:t>
+              <a:t>6/24/2016</a:t>
             </a:fld>
             <a:endParaRPr lang="en-US"/>
           </a:p>
@@ -312,38 +312,37 @@
           <a:p>
             <a:pPr lvl="0"/>
             <a:r>
-              <a:rPr lang="en-US" smtClean="0"/>
+              <a:rPr lang="en-US"/>
               <a:t>Click to edit Master text styles</a:t>
             </a:r>
           </a:p>
           <a:p>
             <a:pPr lvl="1"/>
             <a:r>
-              <a:rPr lang="en-US" smtClean="0"/>
+              <a:rPr lang="en-US"/>
               <a:t>Second level</a:t>
             </a:r>
           </a:p>
           <a:p>
             <a:pPr lvl="2"/>
             <a:r>
-              <a:rPr lang="en-US" smtClean="0"/>
+              <a:rPr lang="en-US"/>
               <a:t>Third level</a:t>
             </a:r>
           </a:p>
           <a:p>
             <a:pPr lvl="3"/>
             <a:r>
-              <a:rPr lang="en-US" smtClean="0"/>
+              <a:rPr lang="en-US"/>
               <a:t>Fourth level</a:t>
             </a:r>
           </a:p>
           <a:p>
             <a:pPr lvl="4"/>
             <a:r>
-              <a:rPr lang="en-US" smtClean="0"/>
+              <a:rPr lang="en-US"/>
               <a:t>Fifth level</a:t>
             </a:r>
-            <a:endParaRPr lang="en-US"/>
           </a:p>
         </p:txBody>
       </p:sp>
@@ -684,7 +683,7 @@
     </p:spTree>
     <p:extLst>
       <p:ext uri="{BB962C8B-B14F-4D97-AF65-F5344CB8AC3E}">
-        <p14:creationId xmlns:p14="http://schemas.microsoft.com/office/powerpoint/2010/main" val="4097586678"/>
+        <p14:creationId xmlns:p14="http://schemas.microsoft.com/office/powerpoint/2010/main" val="365880979"/>
       </p:ext>
     </p:extLst>
   </p:cSld>
@@ -736,10 +735,9 @@
           </a:lstStyle>
           <a:p>
             <a:r>
-              <a:rPr lang="en-US" smtClean="0"/>
+              <a:rPr lang="en-US"/>
               <a:t>Click to edit Master title style</a:t>
             </a:r>
-            <a:endParaRPr lang="en-US"/>
           </a:p>
         </p:txBody>
       </p:sp>
@@ -801,10 +799,9 @@
           </a:lstStyle>
           <a:p>
             <a:r>
-              <a:rPr lang="en-US" smtClean="0"/>
+              <a:rPr lang="en-US"/>
               <a:t>Click to edit Master subtitle style</a:t>
             </a:r>
-            <a:endParaRPr lang="en-US"/>
           </a:p>
         </p:txBody>
       </p:sp>
@@ -825,7 +822,7 @@
           <a:p>
             <a:fld id="{A2B0D24E-6441-4C34-9150-7D417DBEA707}" type="datetimeFigureOut">
               <a:rPr lang="en-US" smtClean="0"/>
-              <a:t>6/25/2015</a:t>
+              <a:t>6/24/2016</a:t>
             </a:fld>
             <a:endParaRPr lang="en-US"/>
           </a:p>
@@ -919,10 +916,9 @@
           <a:lstStyle/>
           <a:p>
             <a:r>
-              <a:rPr lang="en-US" smtClean="0"/>
+              <a:rPr lang="en-US"/>
               <a:t>Click to edit Master title style</a:t>
             </a:r>
-            <a:endParaRPr lang="en-US"/>
           </a:p>
         </p:txBody>
       </p:sp>
@@ -943,38 +939,37 @@
           <a:p>
             <a:pPr lvl="0"/>
             <a:r>
-              <a:rPr lang="en-US" smtClean="0"/>
+              <a:rPr lang="en-US"/>
               <a:t>Click to edit Master text styles</a:t>
             </a:r>
           </a:p>
           <a:p>
             <a:pPr lvl="1"/>
             <a:r>
-              <a:rPr lang="en-US" smtClean="0"/>
+              <a:rPr lang="en-US"/>
               <a:t>Second level</a:t>
             </a:r>
           </a:p>
           <a:p>
             <a:pPr lvl="2"/>
             <a:r>
-              <a:rPr lang="en-US" smtClean="0"/>
+              <a:rPr lang="en-US"/>
               <a:t>Third level</a:t>
             </a:r>
           </a:p>
           <a:p>
             <a:pPr lvl="3"/>
             <a:r>
-              <a:rPr lang="en-US" smtClean="0"/>
+              <a:rPr lang="en-US"/>
               <a:t>Fourth level</a:t>
             </a:r>
           </a:p>
           <a:p>
             <a:pPr lvl="4"/>
             <a:r>
-              <a:rPr lang="en-US" smtClean="0"/>
+              <a:rPr lang="en-US"/>
               <a:t>Fifth level</a:t>
             </a:r>
-            <a:endParaRPr lang="en-US"/>
           </a:p>
         </p:txBody>
       </p:sp>
@@ -995,7 +990,7 @@
           <a:p>
             <a:fld id="{A2B0D24E-6441-4C34-9150-7D417DBEA707}" type="datetimeFigureOut">
               <a:rPr lang="en-US" smtClean="0"/>
-              <a:t>6/25/2015</a:t>
+              <a:t>6/24/2016</a:t>
             </a:fld>
             <a:endParaRPr lang="en-US"/>
           </a:p>
@@ -1094,10 +1089,9 @@
           <a:lstStyle/>
           <a:p>
             <a:r>
-              <a:rPr lang="en-US" smtClean="0"/>
+              <a:rPr lang="en-US"/>
               <a:t>Click to edit Master title style</a:t>
             </a:r>
-            <a:endParaRPr lang="en-US"/>
           </a:p>
         </p:txBody>
       </p:sp>
@@ -1123,38 +1117,37 @@
           <a:p>
             <a:pPr lvl="0"/>
             <a:r>
-              <a:rPr lang="en-US" smtClean="0"/>
+              <a:rPr lang="en-US"/>
               <a:t>Click to edit Master text styles</a:t>
             </a:r>
           </a:p>
           <a:p>
             <a:pPr lvl="1"/>
             <a:r>
-              <a:rPr lang="en-US" smtClean="0"/>
+              <a:rPr lang="en-US"/>
               <a:t>Second level</a:t>
             </a:r>
           </a:p>
           <a:p>
             <a:pPr lvl="2"/>
             <a:r>
-              <a:rPr lang="en-US" smtClean="0"/>
+              <a:rPr lang="en-US"/>
               <a:t>Third level</a:t>
             </a:r>
           </a:p>
           <a:p>
             <a:pPr lvl="3"/>
             <a:r>
-              <a:rPr lang="en-US" smtClean="0"/>
+              <a:rPr lang="en-US"/>
               <a:t>Fourth level</a:t>
             </a:r>
           </a:p>
           <a:p>
             <a:pPr lvl="4"/>
             <a:r>
-              <a:rPr lang="en-US" smtClean="0"/>
+              <a:rPr lang="en-US"/>
               <a:t>Fifth level</a:t>
             </a:r>
-            <a:endParaRPr lang="en-US"/>
           </a:p>
         </p:txBody>
       </p:sp>
@@ -1175,7 +1168,7 @@
           <a:p>
             <a:fld id="{A2B0D24E-6441-4C34-9150-7D417DBEA707}" type="datetimeFigureOut">
               <a:rPr lang="en-US" smtClean="0"/>
-              <a:t>6/25/2015</a:t>
+              <a:t>6/24/2016</a:t>
             </a:fld>
             <a:endParaRPr lang="en-US"/>
           </a:p>
@@ -1269,10 +1262,9 @@
           <a:lstStyle/>
           <a:p>
             <a:r>
-              <a:rPr lang="en-US" smtClean="0"/>
+              <a:rPr lang="en-US"/>
               <a:t>Click to edit Master title style</a:t>
             </a:r>
-            <a:endParaRPr lang="en-US"/>
           </a:p>
         </p:txBody>
       </p:sp>
@@ -1293,38 +1285,37 @@
           <a:p>
             <a:pPr lvl="0"/>
             <a:r>
-              <a:rPr lang="en-US" smtClean="0"/>
+              <a:rPr lang="en-US"/>
               <a:t>Click to edit Master text styles</a:t>
             </a:r>
           </a:p>
           <a:p>
             <a:pPr lvl="1"/>
             <a:r>
-              <a:rPr lang="en-US" smtClean="0"/>
+              <a:rPr lang="en-US"/>
               <a:t>Second level</a:t>
             </a:r>
           </a:p>
           <a:p>
             <a:pPr lvl="2"/>
             <a:r>
-              <a:rPr lang="en-US" smtClean="0"/>
+              <a:rPr lang="en-US"/>
               <a:t>Third level</a:t>
             </a:r>
           </a:p>
           <a:p>
             <a:pPr lvl="3"/>
             <a:r>
-              <a:rPr lang="en-US" smtClean="0"/>
+              <a:rPr lang="en-US"/>
               <a:t>Fourth level</a:t>
             </a:r>
           </a:p>
           <a:p>
             <a:pPr lvl="4"/>
             <a:r>
-              <a:rPr lang="en-US" smtClean="0"/>
+              <a:rPr lang="en-US"/>
               <a:t>Fifth level</a:t>
             </a:r>
-            <a:endParaRPr lang="en-US"/>
           </a:p>
         </p:txBody>
       </p:sp>
@@ -1345,7 +1336,7 @@
           <a:p>
             <a:fld id="{A2B0D24E-6441-4C34-9150-7D417DBEA707}" type="datetimeFigureOut">
               <a:rPr lang="en-US" smtClean="0"/>
-              <a:t>6/25/2015</a:t>
+              <a:t>6/24/2016</a:t>
             </a:fld>
             <a:endParaRPr lang="en-US"/>
           </a:p>
@@ -1448,10 +1439,9 @@
           </a:lstStyle>
           <a:p>
             <a:r>
-              <a:rPr lang="en-US" smtClean="0"/>
+              <a:rPr lang="en-US"/>
               <a:t>Click to edit Master title style</a:t>
             </a:r>
-            <a:endParaRPr lang="en-US"/>
           </a:p>
         </p:txBody>
       </p:sp>
@@ -1568,7 +1558,7 @@
           <a:p>
             <a:pPr lvl="0"/>
             <a:r>
-              <a:rPr lang="en-US" smtClean="0"/>
+              <a:rPr lang="en-US"/>
               <a:t>Click to edit Master text styles</a:t>
             </a:r>
           </a:p>
@@ -1591,7 +1581,7 @@
           <a:p>
             <a:fld id="{A2B0D24E-6441-4C34-9150-7D417DBEA707}" type="datetimeFigureOut">
               <a:rPr lang="en-US" smtClean="0"/>
-              <a:t>6/25/2015</a:t>
+              <a:t>6/24/2016</a:t>
             </a:fld>
             <a:endParaRPr lang="en-US"/>
           </a:p>
@@ -1685,10 +1675,9 @@
           <a:lstStyle/>
           <a:p>
             <a:r>
-              <a:rPr lang="en-US" smtClean="0"/>
+              <a:rPr lang="en-US"/>
               <a:t>Click to edit Master title style</a:t>
             </a:r>
-            <a:endParaRPr lang="en-US"/>
           </a:p>
         </p:txBody>
       </p:sp>
@@ -1714,38 +1703,37 @@
           <a:p>
             <a:pPr lvl="0"/>
             <a:r>
-              <a:rPr lang="en-US" smtClean="0"/>
+              <a:rPr lang="en-US"/>
               <a:t>Click to edit Master text styles</a:t>
             </a:r>
           </a:p>
           <a:p>
             <a:pPr lvl="1"/>
             <a:r>
-              <a:rPr lang="en-US" smtClean="0"/>
+              <a:rPr lang="en-US"/>
               <a:t>Second level</a:t>
             </a:r>
           </a:p>
           <a:p>
             <a:pPr lvl="2"/>
             <a:r>
-              <a:rPr lang="en-US" smtClean="0"/>
+              <a:rPr lang="en-US"/>
               <a:t>Third level</a:t>
             </a:r>
           </a:p>
           <a:p>
             <a:pPr lvl="3"/>
             <a:r>
-              <a:rPr lang="en-US" smtClean="0"/>
+              <a:rPr lang="en-US"/>
               <a:t>Fourth level</a:t>
             </a:r>
           </a:p>
           <a:p>
             <a:pPr lvl="4"/>
             <a:r>
-              <a:rPr lang="en-US" smtClean="0"/>
+              <a:rPr lang="en-US"/>
               <a:t>Fifth level</a:t>
             </a:r>
-            <a:endParaRPr lang="en-US"/>
           </a:p>
         </p:txBody>
       </p:sp>
@@ -1771,38 +1759,37 @@
           <a:p>
             <a:pPr lvl="0"/>
             <a:r>
-              <a:rPr lang="en-US" smtClean="0"/>
+              <a:rPr lang="en-US"/>
               <a:t>Click to edit Master text styles</a:t>
             </a:r>
           </a:p>
           <a:p>
             <a:pPr lvl="1"/>
             <a:r>
-              <a:rPr lang="en-US" smtClean="0"/>
+              <a:rPr lang="en-US"/>
               <a:t>Second level</a:t>
             </a:r>
           </a:p>
           <a:p>
             <a:pPr lvl="2"/>
             <a:r>
-              <a:rPr lang="en-US" smtClean="0"/>
+              <a:rPr lang="en-US"/>
               <a:t>Third level</a:t>
             </a:r>
           </a:p>
           <a:p>
             <a:pPr lvl="3"/>
             <a:r>
-              <a:rPr lang="en-US" smtClean="0"/>
+              <a:rPr lang="en-US"/>
               <a:t>Fourth level</a:t>
             </a:r>
           </a:p>
           <a:p>
             <a:pPr lvl="4"/>
             <a:r>
-              <a:rPr lang="en-US" smtClean="0"/>
+              <a:rPr lang="en-US"/>
               <a:t>Fifth level</a:t>
             </a:r>
-            <a:endParaRPr lang="en-US"/>
           </a:p>
         </p:txBody>
       </p:sp>
@@ -1823,7 +1810,7 @@
           <a:p>
             <a:fld id="{A2B0D24E-6441-4C34-9150-7D417DBEA707}" type="datetimeFigureOut">
               <a:rPr lang="en-US" smtClean="0"/>
-              <a:t>6/25/2015</a:t>
+              <a:t>6/24/2016</a:t>
             </a:fld>
             <a:endParaRPr lang="en-US"/>
           </a:p>
@@ -1922,10 +1909,9 @@
           <a:lstStyle/>
           <a:p>
             <a:r>
-              <a:rPr lang="en-US" smtClean="0"/>
+              <a:rPr lang="en-US"/>
               <a:t>Click to edit Master title style</a:t>
             </a:r>
-            <a:endParaRPr lang="en-US"/>
           </a:p>
         </p:txBody>
       </p:sp>
@@ -1988,7 +1974,7 @@
           <a:p>
             <a:pPr lvl="0"/>
             <a:r>
-              <a:rPr lang="en-US" smtClean="0"/>
+              <a:rPr lang="en-US"/>
               <a:t>Click to edit Master text styles</a:t>
             </a:r>
           </a:p>
@@ -2016,38 +2002,37 @@
           <a:p>
             <a:pPr lvl="0"/>
             <a:r>
-              <a:rPr lang="en-US" smtClean="0"/>
+              <a:rPr lang="en-US"/>
               <a:t>Click to edit Master text styles</a:t>
             </a:r>
           </a:p>
           <a:p>
             <a:pPr lvl="1"/>
             <a:r>
-              <a:rPr lang="en-US" smtClean="0"/>
+              <a:rPr lang="en-US"/>
               <a:t>Second level</a:t>
             </a:r>
           </a:p>
           <a:p>
             <a:pPr lvl="2"/>
             <a:r>
-              <a:rPr lang="en-US" smtClean="0"/>
+              <a:rPr lang="en-US"/>
               <a:t>Third level</a:t>
             </a:r>
           </a:p>
           <a:p>
             <a:pPr lvl="3"/>
             <a:r>
-              <a:rPr lang="en-US" smtClean="0"/>
+              <a:rPr lang="en-US"/>
               <a:t>Fourth level</a:t>
             </a:r>
           </a:p>
           <a:p>
             <a:pPr lvl="4"/>
             <a:r>
-              <a:rPr lang="en-US" smtClean="0"/>
+              <a:rPr lang="en-US"/>
               <a:t>Fifth level</a:t>
             </a:r>
-            <a:endParaRPr lang="en-US"/>
           </a:p>
         </p:txBody>
       </p:sp>
@@ -2110,7 +2095,7 @@
           <a:p>
             <a:pPr lvl="0"/>
             <a:r>
-              <a:rPr lang="en-US" smtClean="0"/>
+              <a:rPr lang="en-US"/>
               <a:t>Click to edit Master text styles</a:t>
             </a:r>
           </a:p>
@@ -2138,38 +2123,37 @@
           <a:p>
             <a:pPr lvl="0"/>
             <a:r>
-              <a:rPr lang="en-US" smtClean="0"/>
+              <a:rPr lang="en-US"/>
               <a:t>Click to edit Master text styles</a:t>
             </a:r>
           </a:p>
           <a:p>
             <a:pPr lvl="1"/>
             <a:r>
-              <a:rPr lang="en-US" smtClean="0"/>
+              <a:rPr lang="en-US"/>
               <a:t>Second level</a:t>
             </a:r>
           </a:p>
           <a:p>
             <a:pPr lvl="2"/>
             <a:r>
-              <a:rPr lang="en-US" smtClean="0"/>
+              <a:rPr lang="en-US"/>
               <a:t>Third level</a:t>
             </a:r>
           </a:p>
           <a:p>
             <a:pPr lvl="3"/>
             <a:r>
-              <a:rPr lang="en-US" smtClean="0"/>
+              <a:rPr lang="en-US"/>
               <a:t>Fourth level</a:t>
             </a:r>
           </a:p>
           <a:p>
             <a:pPr lvl="4"/>
             <a:r>
-              <a:rPr lang="en-US" smtClean="0"/>
+              <a:rPr lang="en-US"/>
               <a:t>Fifth level</a:t>
             </a:r>
-            <a:endParaRPr lang="en-US"/>
           </a:p>
         </p:txBody>
       </p:sp>
@@ -2190,7 +2174,7 @@
           <a:p>
             <a:fld id="{A2B0D24E-6441-4C34-9150-7D417DBEA707}" type="datetimeFigureOut">
               <a:rPr lang="en-US" smtClean="0"/>
-              <a:t>6/25/2015</a:t>
+              <a:t>6/24/2016</a:t>
             </a:fld>
             <a:endParaRPr lang="en-US"/>
           </a:p>
@@ -2284,10 +2268,9 @@
           <a:lstStyle/>
           <a:p>
             <a:r>
-              <a:rPr lang="en-US" smtClean="0"/>
+              <a:rPr lang="en-US"/>
               <a:t>Click to edit Master title style</a:t>
             </a:r>
-            <a:endParaRPr lang="en-US"/>
           </a:p>
         </p:txBody>
       </p:sp>
@@ -2308,7 +2291,7 @@
           <a:p>
             <a:fld id="{A2B0D24E-6441-4C34-9150-7D417DBEA707}" type="datetimeFigureOut">
               <a:rPr lang="en-US" smtClean="0"/>
-              <a:t>6/25/2015</a:t>
+              <a:t>6/24/2016</a:t>
             </a:fld>
             <a:endParaRPr lang="en-US"/>
           </a:p>
@@ -2403,7 +2386,7 @@
           <a:p>
             <a:fld id="{A2B0D24E-6441-4C34-9150-7D417DBEA707}" type="datetimeFigureOut">
               <a:rPr lang="en-US" smtClean="0"/>
-              <a:t>6/25/2015</a:t>
+              <a:t>6/24/2016</a:t>
             </a:fld>
             <a:endParaRPr lang="en-US"/>
           </a:p>
@@ -2506,10 +2489,9 @@
           </a:lstStyle>
           <a:p>
             <a:r>
-              <a:rPr lang="en-US" smtClean="0"/>
+              <a:rPr lang="en-US"/>
               <a:t>Click to edit Master title style</a:t>
             </a:r>
-            <a:endParaRPr lang="en-US"/>
           </a:p>
         </p:txBody>
       </p:sp>
@@ -2563,38 +2545,37 @@
           <a:p>
             <a:pPr lvl="0"/>
             <a:r>
-              <a:rPr lang="en-US" smtClean="0"/>
+              <a:rPr lang="en-US"/>
               <a:t>Click to edit Master text styles</a:t>
             </a:r>
           </a:p>
           <a:p>
             <a:pPr lvl="1"/>
             <a:r>
-              <a:rPr lang="en-US" smtClean="0"/>
+              <a:rPr lang="en-US"/>
               <a:t>Second level</a:t>
             </a:r>
           </a:p>
           <a:p>
             <a:pPr lvl="2"/>
             <a:r>
-              <a:rPr lang="en-US" smtClean="0"/>
+              <a:rPr lang="en-US"/>
               <a:t>Third level</a:t>
             </a:r>
           </a:p>
           <a:p>
             <a:pPr lvl="3"/>
             <a:r>
-              <a:rPr lang="en-US" smtClean="0"/>
+              <a:rPr lang="en-US"/>
               <a:t>Fourth level</a:t>
             </a:r>
           </a:p>
           <a:p>
             <a:pPr lvl="4"/>
             <a:r>
-              <a:rPr lang="en-US" smtClean="0"/>
+              <a:rPr lang="en-US"/>
               <a:t>Fifth level</a:t>
             </a:r>
-            <a:endParaRPr lang="en-US"/>
           </a:p>
         </p:txBody>
       </p:sp>
@@ -2657,7 +2638,7 @@
           <a:p>
             <a:pPr lvl="0"/>
             <a:r>
-              <a:rPr lang="en-US" smtClean="0"/>
+              <a:rPr lang="en-US"/>
               <a:t>Click to edit Master text styles</a:t>
             </a:r>
           </a:p>
@@ -2680,7 +2661,7 @@
           <a:p>
             <a:fld id="{A2B0D24E-6441-4C34-9150-7D417DBEA707}" type="datetimeFigureOut">
               <a:rPr lang="en-US" smtClean="0"/>
-              <a:t>6/25/2015</a:t>
+              <a:t>6/24/2016</a:t>
             </a:fld>
             <a:endParaRPr lang="en-US"/>
           </a:p>
@@ -2783,10 +2764,9 @@
           </a:lstStyle>
           <a:p>
             <a:r>
-              <a:rPr lang="en-US" smtClean="0"/>
+              <a:rPr lang="en-US"/>
               <a:t>Click to edit Master title style</a:t>
             </a:r>
-            <a:endParaRPr lang="en-US"/>
           </a:p>
         </p:txBody>
       </p:sp>
@@ -2910,7 +2890,7 @@
           <a:p>
             <a:pPr lvl="0"/>
             <a:r>
-              <a:rPr lang="en-US" smtClean="0"/>
+              <a:rPr lang="en-US"/>
               <a:t>Click to edit Master text styles</a:t>
             </a:r>
           </a:p>
@@ -2933,7 +2913,7 @@
           <a:p>
             <a:fld id="{A2B0D24E-6441-4C34-9150-7D417DBEA707}" type="datetimeFigureOut">
               <a:rPr lang="en-US" smtClean="0"/>
-              <a:t>6/25/2015</a:t>
+              <a:t>6/24/2016</a:t>
             </a:fld>
             <a:endParaRPr lang="en-US"/>
           </a:p>
@@ -3042,10 +3022,9 @@
           <a:lstStyle/>
           <a:p>
             <a:r>
-              <a:rPr lang="en-US" smtClean="0"/>
+              <a:rPr lang="en-US"/>
               <a:t>Click to edit Master title style</a:t>
             </a:r>
-            <a:endParaRPr lang="en-US"/>
           </a:p>
         </p:txBody>
       </p:sp>
@@ -3076,38 +3055,37 @@
           <a:p>
             <a:pPr lvl="0"/>
             <a:r>
-              <a:rPr lang="en-US" smtClean="0"/>
+              <a:rPr lang="en-US"/>
               <a:t>Click to edit Master text styles</a:t>
             </a:r>
           </a:p>
           <a:p>
             <a:pPr lvl="1"/>
             <a:r>
-              <a:rPr lang="en-US" smtClean="0"/>
+              <a:rPr lang="en-US"/>
               <a:t>Second level</a:t>
             </a:r>
           </a:p>
           <a:p>
             <a:pPr lvl="2"/>
             <a:r>
-              <a:rPr lang="en-US" smtClean="0"/>
+              <a:rPr lang="en-US"/>
               <a:t>Third level</a:t>
             </a:r>
           </a:p>
           <a:p>
             <a:pPr lvl="3"/>
             <a:r>
-              <a:rPr lang="en-US" smtClean="0"/>
+              <a:rPr lang="en-US"/>
               <a:t>Fourth level</a:t>
             </a:r>
           </a:p>
           <a:p>
             <a:pPr lvl="4"/>
             <a:r>
-              <a:rPr lang="en-US" smtClean="0"/>
+              <a:rPr lang="en-US"/>
               <a:t>Fifth level</a:t>
             </a:r>
-            <a:endParaRPr lang="en-US"/>
           </a:p>
         </p:txBody>
       </p:sp>
@@ -3146,7 +3124,7 @@
           <a:p>
             <a:fld id="{A2B0D24E-6441-4C34-9150-7D417DBEA707}" type="datetimeFigureOut">
               <a:rPr lang="en-US" smtClean="0"/>
-              <a:t>6/25/2015</a:t>
+              <a:t>6/24/2016</a:t>
             </a:fld>
             <a:endParaRPr lang="en-US"/>
           </a:p>
@@ -3577,14 +3555,14 @@
           <a:lstStyle/>
           <a:p>
             <a:r>
-              <a:rPr lang="en-US" dirty="0" smtClean="0"/>
+              <a:rPr lang="en-US" dirty="0"/>
               <a:t>SOLID Architecture:</a:t>
             </a:r>
             <a:br>
-              <a:rPr lang="en-US" dirty="0" smtClean="0"/>
+              <a:rPr lang="en-US" dirty="0"/>
             </a:br>
             <a:r>
-              <a:rPr lang="en-US" dirty="0" smtClean="0"/>
+              <a:rPr lang="en-US" dirty="0"/>
               <a:t>Slices not Layers</a:t>
             </a:r>
             <a:endParaRPr lang="en-US" sz="4800" dirty="0"/>
@@ -3617,35 +3595,35 @@
           <a:lstStyle/>
           <a:p>
             <a:r>
-              <a:rPr lang="en-US" dirty="0" smtClean="0"/>
+              <a:rPr lang="en-US" dirty="0"/>
               <a:t>Jimmy Bogard</a:t>
             </a:r>
           </a:p>
           <a:p>
             <a:r>
-              <a:rPr lang="en-US" dirty="0" smtClean="0"/>
+              <a:rPr lang="en-US" dirty="0"/>
               <a:t>@</a:t>
             </a:r>
             <a:r>
-              <a:rPr lang="en-US" dirty="0" err="1" smtClean="0"/>
+              <a:rPr lang="en-US" dirty="0" err="1"/>
               <a:t>jbogard</a:t>
             </a:r>
-            <a:endParaRPr lang="en-US" dirty="0" smtClean="0"/>
-          </a:p>
-          <a:p>
-            <a:r>
-              <a:rPr lang="en-US" dirty="0" smtClean="0"/>
+            <a:endParaRPr lang="en-US" dirty="0"/>
+          </a:p>
+          <a:p>
+            <a:r>
+              <a:rPr lang="en-US" dirty="0"/>
               <a:t>github.com/</a:t>
             </a:r>
             <a:r>
-              <a:rPr lang="en-US" dirty="0" err="1" smtClean="0"/>
+              <a:rPr lang="en-US" dirty="0" err="1"/>
               <a:t>jbogard</a:t>
             </a:r>
-            <a:endParaRPr lang="en-US" dirty="0" smtClean="0"/>
-          </a:p>
-          <a:p>
-            <a:r>
-              <a:rPr lang="en-US" dirty="0" smtClean="0"/>
+            <a:endParaRPr lang="en-US" dirty="0"/>
+          </a:p>
+          <a:p>
+            <a:r>
+              <a:rPr lang="en-US" dirty="0"/>
               <a:t>jimmybogard.lostechies.com</a:t>
             </a:r>
           </a:p>
@@ -3828,13 +3806,6 @@
   <p:clrMapOvr>
     <a:masterClrMapping/>
   </p:clrMapOvr>
-  <p:timing>
-    <p:tnLst>
-      <p:par>
-        <p:cTn id="1" dur="indefinite" restart="never" nodeType="tmRoot"/>
-      </p:par>
-    </p:tnLst>
-  </p:timing>
 </p:sld>
 </file>
 
@@ -3872,10 +3843,9 @@
           <a:p>
             <a:pPr algn="ctr"/>
             <a:r>
-              <a:rPr lang="en-US" dirty="0" smtClean="0"/>
+              <a:rPr lang="en-US" dirty="0"/>
               <a:t>CQRS: Two models where once there was one</a:t>
             </a:r>
-            <a:endParaRPr lang="en-US" dirty="0"/>
           </a:p>
         </p:txBody>
       </p:sp>
@@ -3908,13 +3878,6 @@
   <p:clrMapOvr>
     <a:masterClrMapping/>
   </p:clrMapOvr>
-  <p:timing>
-    <p:tnLst>
-      <p:par>
-        <p:cTn id="1" dur="indefinite" restart="never" nodeType="tmRoot"/>
-      </p:par>
-    </p:tnLst>
-  </p:timing>
 </p:sld>
 </file>
 
@@ -3951,10 +3914,9 @@
           <a:lstStyle/>
           <a:p>
             <a:r>
-              <a:rPr lang="en-US" dirty="0" smtClean="0"/>
+              <a:rPr lang="en-US" dirty="0"/>
               <a:t>CQRS to the Rescue</a:t>
             </a:r>
-            <a:endParaRPr lang="en-US" dirty="0"/>
           </a:p>
         </p:txBody>
       </p:sp>
@@ -4053,10 +4015,9 @@
           <a:lstStyle/>
           <a:p>
             <a:r>
-              <a:rPr lang="en-US" sz="3200" dirty="0" smtClean="0"/>
+              <a:rPr lang="en-US" sz="3200" dirty="0"/>
               <a:t>Queries</a:t>
             </a:r>
-            <a:endParaRPr lang="en-US" sz="3200" dirty="0"/>
           </a:p>
         </p:txBody>
       </p:sp>
@@ -4129,10 +4090,9 @@
           <a:lstStyle/>
           <a:p>
             <a:r>
-              <a:rPr lang="en-US" sz="3200" dirty="0" smtClean="0"/>
+              <a:rPr lang="en-US" sz="3200" dirty="0"/>
               <a:t>Commands</a:t>
             </a:r>
-            <a:endParaRPr lang="en-US" sz="3200" dirty="0"/>
           </a:p>
         </p:txBody>
       </p:sp>
@@ -4363,10 +4323,9 @@
           <a:p>
             <a:pPr algn="ctr"/>
             <a:r>
-              <a:rPr lang="en-US" dirty="0" smtClean="0"/>
+              <a:rPr lang="en-US" dirty="0"/>
               <a:t>First step to sanity: Collapse layers</a:t>
             </a:r>
-            <a:endParaRPr lang="en-US" dirty="0"/>
           </a:p>
         </p:txBody>
       </p:sp>
@@ -4399,13 +4358,6 @@
   <p:clrMapOvr>
     <a:masterClrMapping/>
   </p:clrMapOvr>
-  <p:timing>
-    <p:tnLst>
-      <p:par>
-        <p:cTn id="1" dur="indefinite" restart="never" nodeType="tmRoot"/>
-      </p:par>
-    </p:tnLst>
-  </p:timing>
 </p:sld>
 </file>
 
@@ -4442,10 +4394,9 @@
           <a:lstStyle/>
           <a:p>
             <a:r>
-              <a:rPr lang="en-US" dirty="0" smtClean="0"/>
+              <a:rPr lang="en-US" dirty="0"/>
               <a:t>Queries</a:t>
             </a:r>
-            <a:endParaRPr lang="en-US" dirty="0"/>
           </a:p>
         </p:txBody>
       </p:sp>
@@ -4485,13 +4436,6 @@
   <p:clrMapOvr>
     <a:masterClrMapping/>
   </p:clrMapOvr>
-  <p:timing>
-    <p:tnLst>
-      <p:par>
-        <p:cTn id="1" dur="indefinite" restart="never" nodeType="tmRoot"/>
-      </p:par>
-    </p:tnLst>
-  </p:timing>
 </p:sld>
 </file>
 
@@ -4528,10 +4472,9 @@
           <a:lstStyle/>
           <a:p>
             <a:r>
-              <a:rPr lang="en-US" dirty="0" smtClean="0"/>
+              <a:rPr lang="en-US" dirty="0"/>
               <a:t>Queries</a:t>
             </a:r>
-            <a:endParaRPr lang="en-US" dirty="0"/>
           </a:p>
         </p:txBody>
       </p:sp>
@@ -4571,13 +4514,6 @@
   <p:clrMapOvr>
     <a:masterClrMapping/>
   </p:clrMapOvr>
-  <p:timing>
-    <p:tnLst>
-      <p:par>
-        <p:cTn id="1" dur="indefinite" restart="never" nodeType="tmRoot"/>
-      </p:par>
-    </p:tnLst>
-  </p:timing>
 </p:sld>
 </file>
 
@@ -4614,10 +4550,9 @@
           <a:lstStyle/>
           <a:p>
             <a:r>
-              <a:rPr lang="en-US" dirty="0" smtClean="0"/>
+              <a:rPr lang="en-US" dirty="0"/>
               <a:t>Queries</a:t>
             </a:r>
-            <a:endParaRPr lang="en-US" dirty="0"/>
           </a:p>
         </p:txBody>
       </p:sp>
@@ -4657,13 +4592,6 @@
   <p:clrMapOvr>
     <a:masterClrMapping/>
   </p:clrMapOvr>
-  <p:timing>
-    <p:tnLst>
-      <p:par>
-        <p:cTn id="1" dur="indefinite" restart="never" nodeType="tmRoot"/>
-      </p:par>
-    </p:tnLst>
-  </p:timing>
 </p:sld>
 </file>
 
@@ -4700,10 +4628,9 @@
           <a:lstStyle/>
           <a:p>
             <a:r>
-              <a:rPr lang="en-US" dirty="0" smtClean="0"/>
+              <a:rPr lang="en-US" dirty="0"/>
               <a:t>Commands</a:t>
             </a:r>
-            <a:endParaRPr lang="en-US" dirty="0"/>
           </a:p>
         </p:txBody>
       </p:sp>
@@ -4743,13 +4670,6 @@
   <p:clrMapOvr>
     <a:masterClrMapping/>
   </p:clrMapOvr>
-  <p:timing>
-    <p:tnLst>
-      <p:par>
-        <p:cTn id="1" dur="indefinite" restart="never" nodeType="tmRoot"/>
-      </p:par>
-    </p:tnLst>
-  </p:timing>
 </p:sld>
 </file>
 
@@ -4787,10 +4707,9 @@
           <a:p>
             <a:pPr algn="ctr"/>
             <a:r>
-              <a:rPr lang="en-US" dirty="0" smtClean="0"/>
+              <a:rPr lang="en-US" dirty="0"/>
               <a:t>Creating queries</a:t>
             </a:r>
-            <a:endParaRPr lang="en-US" dirty="0"/>
           </a:p>
         </p:txBody>
       </p:sp>
@@ -4823,13 +4742,6 @@
   <p:clrMapOvr>
     <a:masterClrMapping/>
   </p:clrMapOvr>
-  <p:timing>
-    <p:tnLst>
-      <p:par>
-        <p:cTn id="1" dur="indefinite" restart="never" nodeType="tmRoot"/>
-      </p:par>
-    </p:tnLst>
-  </p:timing>
 </p:sld>
 </file>
 
@@ -4866,10 +4778,9 @@
           <a:lstStyle/>
           <a:p>
             <a:r>
-              <a:rPr lang="en-US" dirty="0" smtClean="0"/>
+              <a:rPr lang="en-US" dirty="0"/>
               <a:t>Modeling requests</a:t>
             </a:r>
-            <a:endParaRPr lang="en-US" dirty="0"/>
           </a:p>
         </p:txBody>
       </p:sp>
@@ -4910,10 +4821,9 @@
           <a:p>
             <a:pPr algn="ctr"/>
             <a:r>
-              <a:rPr lang="en-US" dirty="0" smtClean="0"/>
+              <a:rPr lang="en-US" dirty="0"/>
               <a:t>Input</a:t>
             </a:r>
-            <a:endParaRPr lang="en-US" dirty="0"/>
           </a:p>
         </p:txBody>
       </p:sp>
@@ -4954,10 +4864,9 @@
           <a:p>
             <a:pPr algn="ctr"/>
             <a:r>
-              <a:rPr lang="en-US" dirty="0" smtClean="0"/>
+              <a:rPr lang="en-US" dirty="0"/>
               <a:t>Request Handler</a:t>
             </a:r>
-            <a:endParaRPr lang="en-US" dirty="0"/>
           </a:p>
         </p:txBody>
       </p:sp>
@@ -4998,10 +4907,9 @@
           <a:p>
             <a:pPr algn="ctr"/>
             <a:r>
-              <a:rPr lang="en-US" dirty="0" smtClean="0"/>
+              <a:rPr lang="en-US" dirty="0"/>
               <a:t>Output</a:t>
             </a:r>
-            <a:endParaRPr lang="en-US" dirty="0"/>
           </a:p>
         </p:txBody>
       </p:sp>
@@ -5093,13 +5001,6 @@
   <p:clrMapOvr>
     <a:masterClrMapping/>
   </p:clrMapOvr>
-  <p:timing>
-    <p:tnLst>
-      <p:par>
-        <p:cTn id="1" dur="indefinite" restart="never" nodeType="tmRoot"/>
-      </p:par>
-    </p:tnLst>
-  </p:timing>
 </p:sld>
 </file>
 
@@ -5136,11 +5037,11 @@
           <a:lstStyle/>
           <a:p>
             <a:r>
-              <a:rPr lang="en-US" dirty="0" smtClean="0"/>
+              <a:rPr lang="en-US" dirty="0"/>
               <a:t>Modeling requests with </a:t>
             </a:r>
             <a:r>
-              <a:rPr lang="en-US" dirty="0" err="1" smtClean="0"/>
+              <a:rPr lang="en-US" dirty="0" err="1"/>
               <a:t>MediatR</a:t>
             </a:r>
             <a:endParaRPr lang="en-US" dirty="0"/>
@@ -5225,10 +5126,9 @@
           <a:p>
             <a:pPr algn="ctr"/>
             <a:r>
-              <a:rPr lang="en-US" dirty="0" smtClean="0"/>
+              <a:rPr lang="en-US" dirty="0"/>
               <a:t>Command</a:t>
             </a:r>
-            <a:endParaRPr lang="en-US" dirty="0"/>
           </a:p>
         </p:txBody>
       </p:sp>
@@ -5269,10 +5169,9 @@
           <a:p>
             <a:pPr algn="ctr"/>
             <a:r>
-              <a:rPr lang="en-US" dirty="0" smtClean="0"/>
+              <a:rPr lang="en-US" dirty="0"/>
               <a:t>Query</a:t>
             </a:r>
-            <a:endParaRPr lang="en-US" dirty="0"/>
           </a:p>
         </p:txBody>
       </p:sp>
@@ -5383,17 +5282,16 @@
           <a:p>
             <a:pPr algn="ctr"/>
             <a:r>
-              <a:rPr lang="en-US" dirty="0" smtClean="0"/>
+              <a:rPr lang="en-US" dirty="0"/>
               <a:t>Command</a:t>
             </a:r>
           </a:p>
           <a:p>
             <a:pPr algn="ctr"/>
             <a:r>
-              <a:rPr lang="en-US" dirty="0" smtClean="0"/>
+              <a:rPr lang="en-US" dirty="0"/>
               <a:t>Handler</a:t>
             </a:r>
-            <a:endParaRPr lang="en-US" dirty="0"/>
           </a:p>
         </p:txBody>
       </p:sp>
@@ -5434,10 +5332,9 @@
           <a:p>
             <a:pPr algn="ctr"/>
             <a:r>
-              <a:rPr lang="en-US" dirty="0" smtClean="0"/>
+              <a:rPr lang="en-US" dirty="0"/>
               <a:t>Query Handler</a:t>
             </a:r>
-            <a:endParaRPr lang="en-US" dirty="0"/>
           </a:p>
         </p:txBody>
       </p:sp>
@@ -5523,13 +5420,6 @@
   <p:clrMapOvr>
     <a:masterClrMapping/>
   </p:clrMapOvr>
-  <p:timing>
-    <p:tnLst>
-      <p:par>
-        <p:cTn id="1" dur="indefinite" restart="never" nodeType="tmRoot"/>
-      </p:par>
-    </p:tnLst>
-  </p:timing>
 </p:sld>
 </file>
 
@@ -5601,13 +5491,6 @@
   <p:clrMapOvr>
     <a:masterClrMapping/>
   </p:clrMapOvr>
-  <p:timing>
-    <p:tnLst>
-      <p:par>
-        <p:cTn id="1" dur="indefinite" restart="never" nodeType="tmRoot"/>
-      </p:par>
-    </p:tnLst>
-  </p:timing>
 </p:sld>
 </file>
 
@@ -5644,10 +5527,9 @@
           <a:lstStyle/>
           <a:p>
             <a:r>
-              <a:rPr lang="en-US" dirty="0" smtClean="0"/>
+              <a:rPr lang="en-US" dirty="0"/>
               <a:t>Modeling inputs</a:t>
             </a:r>
-            <a:endParaRPr lang="en-US" dirty="0"/>
           </a:p>
         </p:txBody>
       </p:sp>
@@ -5843,10 +5725,9 @@
           <a:lstStyle/>
           <a:p>
             <a:r>
-              <a:rPr lang="en-US" dirty="0" smtClean="0"/>
+              <a:rPr lang="en-US" dirty="0"/>
               <a:t>Query Requests</a:t>
             </a:r>
-            <a:endParaRPr lang="en-US" dirty="0"/>
           </a:p>
         </p:txBody>
       </p:sp>
@@ -5886,13 +5767,6 @@
   <p:clrMapOvr>
     <a:masterClrMapping/>
   </p:clrMapOvr>
-  <p:timing>
-    <p:tnLst>
-      <p:par>
-        <p:cTn id="1" dur="indefinite" restart="never" nodeType="tmRoot"/>
-      </p:par>
-    </p:tnLst>
-  </p:timing>
 </p:sld>
 </file>
 
@@ -5929,10 +5803,9 @@
           <a:lstStyle/>
           <a:p>
             <a:r>
-              <a:rPr lang="en-US" dirty="0" smtClean="0"/>
+              <a:rPr lang="en-US" dirty="0"/>
               <a:t>Modeling outputs</a:t>
             </a:r>
-            <a:endParaRPr lang="en-US" dirty="0"/>
           </a:p>
         </p:txBody>
       </p:sp>
@@ -6216,10 +6089,9 @@
           <a:lstStyle/>
           <a:p>
             <a:r>
-              <a:rPr lang="en-US" dirty="0" smtClean="0"/>
+              <a:rPr lang="en-US" dirty="0"/>
               <a:t>Modeling outputs</a:t>
             </a:r>
-            <a:endParaRPr lang="en-US" dirty="0"/>
           </a:p>
         </p:txBody>
       </p:sp>
@@ -6555,10 +6427,9 @@
           <a:lstStyle/>
           <a:p>
             <a:r>
-              <a:rPr lang="en-US" dirty="0" smtClean="0"/>
+              <a:rPr lang="en-US" dirty="0"/>
               <a:t>Query Response</a:t>
             </a:r>
-            <a:endParaRPr lang="en-US" dirty="0"/>
           </a:p>
         </p:txBody>
       </p:sp>
@@ -6598,13 +6469,6 @@
   <p:clrMapOvr>
     <a:masterClrMapping/>
   </p:clrMapOvr>
-  <p:timing>
-    <p:tnLst>
-      <p:par>
-        <p:cTn id="1" dur="indefinite" restart="never" nodeType="tmRoot"/>
-      </p:par>
-    </p:tnLst>
-  </p:timing>
 </p:sld>
 </file>
 
@@ -6641,10 +6505,9 @@
           <a:lstStyle/>
           <a:p>
             <a:r>
-              <a:rPr lang="en-US" dirty="0" smtClean="0"/>
+              <a:rPr lang="en-US" dirty="0"/>
               <a:t>Query Model</a:t>
             </a:r>
-            <a:endParaRPr lang="en-US" dirty="0"/>
           </a:p>
         </p:txBody>
       </p:sp>
@@ -6684,13 +6547,6 @@
   <p:clrMapOvr>
     <a:masterClrMapping/>
   </p:clrMapOvr>
-  <p:timing>
-    <p:tnLst>
-      <p:par>
-        <p:cTn id="1" dur="indefinite" restart="never" nodeType="tmRoot"/>
-      </p:par>
-    </p:tnLst>
-  </p:timing>
 </p:sld>
 </file>
 
@@ -6727,10 +6583,9 @@
           <a:lstStyle/>
           <a:p>
             <a:r>
-              <a:rPr lang="en-US" dirty="0" smtClean="0"/>
+              <a:rPr lang="en-US" dirty="0"/>
               <a:t>Handling Query Request</a:t>
             </a:r>
-            <a:endParaRPr lang="en-US" dirty="0"/>
           </a:p>
         </p:txBody>
       </p:sp>
@@ -6770,13 +6625,6 @@
   <p:clrMapOvr>
     <a:masterClrMapping/>
   </p:clrMapOvr>
-  <p:timing>
-    <p:tnLst>
-      <p:par>
-        <p:cTn id="1" dur="indefinite" restart="never" nodeType="tmRoot"/>
-      </p:par>
-    </p:tnLst>
-  </p:timing>
 </p:sld>
 </file>
 
@@ -6813,10 +6661,9 @@
           <a:lstStyle/>
           <a:p>
             <a:r>
-              <a:rPr lang="en-US" dirty="0" smtClean="0"/>
+              <a:rPr lang="en-US" dirty="0"/>
               <a:t>Returning Query Result</a:t>
             </a:r>
-            <a:endParaRPr lang="en-US" dirty="0"/>
           </a:p>
         </p:txBody>
       </p:sp>
@@ -6898,13 +6745,6 @@
   <p:clrMapOvr>
     <a:masterClrMapping/>
   </p:clrMapOvr>
-  <p:timing>
-    <p:tnLst>
-      <p:par>
-        <p:cTn id="1" dur="indefinite" restart="never" nodeType="tmRoot"/>
-      </p:par>
-    </p:tnLst>
-  </p:timing>
 </p:sld>
 </file>
 
@@ -6941,10 +6781,9 @@
           <a:lstStyle/>
           <a:p>
             <a:r>
-              <a:rPr lang="en-US" dirty="0" smtClean="0"/>
+              <a:rPr lang="en-US" dirty="0"/>
               <a:t>Projecting Query Result</a:t>
             </a:r>
-            <a:endParaRPr lang="en-US" dirty="0"/>
           </a:p>
         </p:txBody>
       </p:sp>
@@ -6984,13 +6823,6 @@
   <p:clrMapOvr>
     <a:masterClrMapping/>
   </p:clrMapOvr>
-  <p:timing>
-    <p:tnLst>
-      <p:par>
-        <p:cTn id="1" dur="indefinite" restart="never" nodeType="tmRoot"/>
-      </p:par>
-    </p:tnLst>
-  </p:timing>
 </p:sld>
 </file>
 
@@ -7027,10 +6859,9 @@
           <a:lstStyle/>
           <a:p>
             <a:r>
-              <a:rPr lang="en-US" dirty="0" smtClean="0"/>
+              <a:rPr lang="en-US" dirty="0"/>
               <a:t>Complex query response</a:t>
             </a:r>
-            <a:endParaRPr lang="en-US" dirty="0"/>
           </a:p>
         </p:txBody>
       </p:sp>
@@ -7070,13 +6901,6 @@
   <p:clrMapOvr>
     <a:masterClrMapping/>
   </p:clrMapOvr>
-  <p:timing>
-    <p:tnLst>
-      <p:par>
-        <p:cTn id="1" dur="indefinite" restart="never" nodeType="tmRoot"/>
-      </p:par>
-    </p:tnLst>
-  </p:timing>
 </p:sld>
 </file>
 
@@ -7113,10 +6937,9 @@
           <a:lstStyle/>
           <a:p>
             <a:r>
-              <a:rPr lang="en-US" dirty="0" smtClean="0"/>
+              <a:rPr lang="en-US" dirty="0"/>
               <a:t>Inmates and asylums</a:t>
             </a:r>
-            <a:endParaRPr lang="en-US" dirty="0"/>
           </a:p>
         </p:txBody>
       </p:sp>
@@ -7138,7 +6961,7 @@
           <a:lstStyle/>
           <a:p>
             <a:r>
-              <a:rPr lang="en-US" dirty="0" smtClean="0"/>
+              <a:rPr lang="en-US" dirty="0"/>
               <a:t>4 screens</a:t>
             </a:r>
           </a:p>
@@ -7147,7 +6970,7 @@
           </a:p>
           <a:p>
             <a:r>
-              <a:rPr lang="en-US" dirty="0" smtClean="0"/>
+              <a:rPr lang="en-US" dirty="0"/>
               <a:t>Basic workflow</a:t>
             </a:r>
           </a:p>
@@ -7156,7 +6979,7 @@
           </a:p>
           <a:p>
             <a:r>
-              <a:rPr lang="en-US" dirty="0" smtClean="0"/>
+              <a:rPr lang="en-US" dirty="0"/>
               <a:t>Role-based security</a:t>
             </a:r>
           </a:p>
@@ -7165,7 +6988,7 @@
           </a:p>
           <a:p>
             <a:r>
-              <a:rPr lang="en-US" dirty="0" smtClean="0"/>
+              <a:rPr lang="en-US" dirty="0"/>
               <a:t>20K LoC</a:t>
             </a:r>
           </a:p>
@@ -7174,7 +6997,7 @@
           </a:p>
           <a:p>
             <a:r>
-              <a:rPr lang="en-US" dirty="0" smtClean="0"/>
+              <a:rPr lang="en-US" dirty="0"/>
               <a:t>2 solutions, 12 projects</a:t>
             </a:r>
           </a:p>
@@ -7223,10 +7046,9 @@
           <a:p>
             <a:pPr algn="ctr"/>
             <a:r>
-              <a:rPr lang="en-US" dirty="0" smtClean="0"/>
+              <a:rPr lang="en-US" dirty="0"/>
               <a:t>ASPX</a:t>
             </a:r>
-            <a:endParaRPr lang="en-US" dirty="0"/>
           </a:p>
         </p:txBody>
       </p:sp>
@@ -7267,10 +7089,9 @@
           <a:p>
             <a:pPr algn="ctr"/>
             <a:r>
-              <a:rPr lang="en-US" dirty="0" smtClean="0"/>
+              <a:rPr lang="en-US" dirty="0"/>
               <a:t>Code-Behind</a:t>
             </a:r>
-            <a:endParaRPr lang="en-US" dirty="0"/>
           </a:p>
         </p:txBody>
       </p:sp>
@@ -7347,7 +7168,7 @@
           <a:p>
             <a:pPr algn="ctr"/>
             <a:r>
-              <a:rPr lang="en-US" dirty="0" err="1" smtClean="0"/>
+              <a:rPr lang="en-US" dirty="0" err="1"/>
               <a:t>ServiceProxy</a:t>
             </a:r>
             <a:endParaRPr lang="en-US" dirty="0"/>
@@ -7426,10 +7247,9 @@
           <a:p>
             <a:pPr algn="ctr"/>
             <a:r>
-              <a:rPr lang="en-US" dirty="0" smtClean="0"/>
+              <a:rPr lang="en-US" dirty="0"/>
               <a:t>WCF Service Proxy</a:t>
             </a:r>
-            <a:endParaRPr lang="en-US" dirty="0"/>
           </a:p>
         </p:txBody>
       </p:sp>
@@ -7505,10 +7325,9 @@
           <a:p>
             <a:pPr algn="ctr"/>
             <a:r>
-              <a:rPr lang="en-US" dirty="0" smtClean="0"/>
+              <a:rPr lang="en-US" dirty="0"/>
               <a:t>WCF Service</a:t>
             </a:r>
-            <a:endParaRPr lang="en-US" dirty="0"/>
           </a:p>
         </p:txBody>
       </p:sp>
@@ -7584,10 +7403,9 @@
           <a:p>
             <a:pPr algn="ctr"/>
             <a:r>
-              <a:rPr lang="en-US" dirty="0" smtClean="0"/>
+              <a:rPr lang="en-US" dirty="0"/>
               <a:t>BAL</a:t>
             </a:r>
-            <a:endParaRPr lang="en-US" dirty="0"/>
           </a:p>
         </p:txBody>
       </p:sp>
@@ -7663,10 +7481,9 @@
           <a:p>
             <a:pPr algn="ctr"/>
             <a:r>
-              <a:rPr lang="en-US" dirty="0" smtClean="0"/>
+              <a:rPr lang="en-US" dirty="0"/>
               <a:t>DAL</a:t>
             </a:r>
-            <a:endParaRPr lang="en-US" dirty="0"/>
           </a:p>
         </p:txBody>
       </p:sp>
@@ -7742,10 +7559,9 @@
           <a:p>
             <a:pPr algn="ctr"/>
             <a:r>
-              <a:rPr lang="en-US" dirty="0" smtClean="0"/>
+              <a:rPr lang="en-US" dirty="0"/>
               <a:t>Stored Procedure</a:t>
             </a:r>
-            <a:endParaRPr lang="en-US" dirty="0"/>
           </a:p>
         </p:txBody>
       </p:sp>
@@ -8419,10 +8235,9 @@
           <a:lstStyle/>
           <a:p>
             <a:r>
-              <a:rPr lang="en-US" dirty="0" smtClean="0"/>
+              <a:rPr lang="en-US" dirty="0"/>
               <a:t>Projecting single model</a:t>
             </a:r>
-            <a:endParaRPr lang="en-US" dirty="0"/>
           </a:p>
         </p:txBody>
       </p:sp>
@@ -8462,13 +8277,6 @@
   <p:clrMapOvr>
     <a:masterClrMapping/>
   </p:clrMapOvr>
-  <p:timing>
-    <p:tnLst>
-      <p:par>
-        <p:cTn id="1" dur="indefinite" restart="never" nodeType="tmRoot"/>
-      </p:par>
-    </p:tnLst>
-  </p:timing>
 </p:sld>
 </file>
 
@@ -8505,10 +8313,9 @@
           <a:lstStyle/>
           <a:p>
             <a:r>
-              <a:rPr lang="en-US" dirty="0" smtClean="0"/>
+              <a:rPr lang="en-US" dirty="0"/>
               <a:t>Single projected query</a:t>
             </a:r>
-            <a:endParaRPr lang="en-US" dirty="0"/>
           </a:p>
         </p:txBody>
       </p:sp>
@@ -8548,13 +8355,6 @@
   <p:clrMapOvr>
     <a:masterClrMapping/>
   </p:clrMapOvr>
-  <p:timing>
-    <p:tnLst>
-      <p:par>
-        <p:cTn id="1" dur="indefinite" restart="never" nodeType="tmRoot"/>
-      </p:par>
-    </p:tnLst>
-  </p:timing>
 </p:sld>
 </file>
 
@@ -8592,10 +8392,9 @@
           <a:p>
             <a:pPr algn="ctr"/>
             <a:r>
-              <a:rPr lang="en-US" dirty="0" smtClean="0"/>
+              <a:rPr lang="en-US" dirty="0"/>
               <a:t>Creating commands</a:t>
             </a:r>
-            <a:endParaRPr lang="en-US" dirty="0"/>
           </a:p>
         </p:txBody>
       </p:sp>
@@ -8628,13 +8427,6 @@
   <p:clrMapOvr>
     <a:masterClrMapping/>
   </p:clrMapOvr>
-  <p:timing>
-    <p:tnLst>
-      <p:par>
-        <p:cTn id="1" dur="indefinite" restart="never" nodeType="tmRoot"/>
-      </p:par>
-    </p:tnLst>
-  </p:timing>
 </p:sld>
 </file>
 
@@ -8671,10 +8463,9 @@
           <a:lstStyle/>
           <a:p>
             <a:r>
-              <a:rPr lang="en-US" dirty="0" smtClean="0"/>
+              <a:rPr lang="en-US" dirty="0"/>
               <a:t>Command modeling</a:t>
             </a:r>
-            <a:endParaRPr lang="en-US" dirty="0"/>
           </a:p>
         </p:txBody>
       </p:sp>
@@ -8756,13 +8547,6 @@
   <p:clrMapOvr>
     <a:masterClrMapping/>
   </p:clrMapOvr>
-  <p:timing>
-    <p:tnLst>
-      <p:par>
-        <p:cTn id="1" dur="indefinite" restart="never" nodeType="tmRoot"/>
-      </p:par>
-    </p:tnLst>
-  </p:timing>
 </p:sld>
 </file>
 
@@ -8799,10 +8583,9 @@
           <a:lstStyle/>
           <a:p>
             <a:r>
-              <a:rPr lang="en-US" dirty="0" smtClean="0"/>
+              <a:rPr lang="en-US" dirty="0"/>
               <a:t>Command Request</a:t>
             </a:r>
-            <a:endParaRPr lang="en-US" dirty="0"/>
           </a:p>
         </p:txBody>
       </p:sp>
@@ -8842,13 +8625,6 @@
   <p:clrMapOvr>
     <a:masterClrMapping/>
   </p:clrMapOvr>
-  <p:timing>
-    <p:tnLst>
-      <p:par>
-        <p:cTn id="1" dur="indefinite" restart="never" nodeType="tmRoot"/>
-      </p:par>
-    </p:tnLst>
-  </p:timing>
 </p:sld>
 </file>
 
@@ -8885,10 +8661,9 @@
           <a:lstStyle/>
           <a:p>
             <a:r>
-              <a:rPr lang="en-US" dirty="0" smtClean="0"/>
+              <a:rPr lang="en-US" dirty="0"/>
               <a:t>Command Handling</a:t>
             </a:r>
-            <a:endParaRPr lang="en-US" dirty="0"/>
           </a:p>
         </p:txBody>
       </p:sp>
@@ -8928,13 +8703,6 @@
   <p:clrMapOvr>
     <a:masterClrMapping/>
   </p:clrMapOvr>
-  <p:timing>
-    <p:tnLst>
-      <p:par>
-        <p:cTn id="1" dur="indefinite" restart="never" nodeType="tmRoot"/>
-      </p:par>
-    </p:tnLst>
-  </p:timing>
 </p:sld>
 </file>
 
@@ -8972,10 +8740,9 @@
           <a:p>
             <a:pPr algn="ctr"/>
             <a:r>
-              <a:rPr lang="en-US" dirty="0" smtClean="0"/>
+              <a:rPr lang="en-US" dirty="0"/>
               <a:t>Cross-cutting concerns</a:t>
             </a:r>
-            <a:endParaRPr lang="en-US" dirty="0"/>
           </a:p>
         </p:txBody>
       </p:sp>
@@ -9008,13 +8775,6 @@
   <p:clrMapOvr>
     <a:masterClrMapping/>
   </p:clrMapOvr>
-  <p:timing>
-    <p:tnLst>
-      <p:par>
-        <p:cTn id="1" dur="indefinite" restart="never" nodeType="tmRoot"/>
-      </p:par>
-    </p:tnLst>
-  </p:timing>
 </p:sld>
 </file>
 
@@ -9051,10 +8811,9 @@
           <a:lstStyle/>
           <a:p>
             <a:r>
-              <a:rPr lang="en-US" dirty="0" smtClean="0"/>
+              <a:rPr lang="en-US" dirty="0"/>
               <a:t>Validation</a:t>
             </a:r>
-            <a:endParaRPr lang="en-US" dirty="0"/>
           </a:p>
         </p:txBody>
       </p:sp>
@@ -9136,13 +8895,6 @@
   <p:clrMapOvr>
     <a:masterClrMapping/>
   </p:clrMapOvr>
-  <p:timing>
-    <p:tnLst>
-      <p:par>
-        <p:cTn id="1" dur="indefinite" restart="never" nodeType="tmRoot"/>
-      </p:par>
-    </p:tnLst>
-  </p:timing>
 </p:sld>
 </file>
 
@@ -9179,10 +8931,9 @@
           <a:lstStyle/>
           <a:p>
             <a:r>
-              <a:rPr lang="en-US" dirty="0" smtClean="0"/>
+              <a:rPr lang="en-US" dirty="0"/>
               <a:t>Validate requests, not entities</a:t>
             </a:r>
-            <a:endParaRPr lang="en-US" dirty="0"/>
           </a:p>
         </p:txBody>
       </p:sp>
@@ -9222,13 +8973,6 @@
   <p:clrMapOvr>
     <a:masterClrMapping/>
   </p:clrMapOvr>
-  <p:timing>
-    <p:tnLst>
-      <p:par>
-        <p:cTn id="1" dur="indefinite" restart="never" nodeType="tmRoot"/>
-      </p:par>
-    </p:tnLst>
-  </p:timing>
 </p:sld>
 </file>
 
@@ -9265,10 +9009,9 @@
           <a:lstStyle/>
           <a:p>
             <a:r>
-              <a:rPr lang="en-US" dirty="0" smtClean="0"/>
+              <a:rPr lang="en-US" dirty="0"/>
               <a:t>Normal validation flow</a:t>
             </a:r>
-            <a:endParaRPr lang="en-US" dirty="0"/>
           </a:p>
         </p:txBody>
       </p:sp>
@@ -9309,10 +9052,9 @@
           <a:p>
             <a:pPr algn="ctr"/>
             <a:r>
-              <a:rPr lang="en-US" sz="2800" dirty="0" smtClean="0"/>
+              <a:rPr lang="en-US" sz="2800" dirty="0"/>
               <a:t>MVC</a:t>
             </a:r>
-            <a:endParaRPr lang="en-US" sz="2800" dirty="0"/>
           </a:p>
         </p:txBody>
       </p:sp>
@@ -9353,10 +9095,9 @@
           <a:p>
             <a:pPr algn="ctr"/>
             <a:r>
-              <a:rPr lang="en-US" sz="2800" dirty="0" smtClean="0"/>
+              <a:rPr lang="en-US" sz="2800" dirty="0"/>
               <a:t>Browser</a:t>
             </a:r>
-            <a:endParaRPr lang="en-US" sz="2800" dirty="0"/>
           </a:p>
         </p:txBody>
       </p:sp>
@@ -9460,10 +9201,9 @@
           <a:p>
             <a:pPr algn="ctr"/>
             <a:r>
-              <a:rPr lang="en-US" sz="2800" dirty="0" smtClean="0"/>
+              <a:rPr lang="en-US" sz="2800" dirty="0"/>
               <a:t>POST</a:t>
             </a:r>
-            <a:endParaRPr lang="en-US" sz="2800" dirty="0"/>
           </a:p>
         </p:txBody>
       </p:sp>
@@ -9534,10 +9274,9 @@
           <a:lstStyle/>
           <a:p>
             <a:r>
-              <a:rPr lang="en-US" sz="2400" dirty="0" smtClean="0"/>
+              <a:rPr lang="en-US" sz="2400" dirty="0"/>
               <a:t>Valid?</a:t>
             </a:r>
-            <a:endParaRPr lang="en-US" sz="2400" dirty="0"/>
           </a:p>
         </p:txBody>
       </p:sp>
@@ -9600,16 +9339,15 @@
           <a:lstStyle/>
           <a:p>
             <a:r>
-              <a:rPr lang="en-US" dirty="0" smtClean="0"/>
+              <a:rPr lang="en-US" dirty="0"/>
               <a:t>400 Bad Request</a:t>
             </a:r>
           </a:p>
           <a:p>
             <a:r>
-              <a:rPr lang="en-US" dirty="0" smtClean="0"/>
+              <a:rPr lang="en-US" dirty="0"/>
               <a:t>text/html</a:t>
             </a:r>
-            <a:endParaRPr lang="en-US" dirty="0"/>
           </a:p>
         </p:txBody>
       </p:sp>
@@ -9718,10 +9456,9 @@
           <a:lstStyle/>
           <a:p>
             <a:r>
-              <a:rPr lang="en-US" sz="2400" dirty="0" smtClean="0"/>
+              <a:rPr lang="en-US" sz="2400" dirty="0"/>
               <a:t>Do Work</a:t>
             </a:r>
-            <a:endParaRPr lang="en-US" sz="2400" dirty="0"/>
           </a:p>
         </p:txBody>
       </p:sp>
@@ -9784,16 +9521,15 @@
           <a:lstStyle/>
           <a:p>
             <a:r>
-              <a:rPr lang="en-US" dirty="0" smtClean="0"/>
+              <a:rPr lang="en-US" dirty="0"/>
               <a:t>302 Found</a:t>
             </a:r>
           </a:p>
           <a:p>
             <a:r>
-              <a:rPr lang="en-US" dirty="0" smtClean="0"/>
+              <a:rPr lang="en-US" dirty="0"/>
               <a:t>/student/index</a:t>
             </a:r>
-            <a:endParaRPr lang="en-US" dirty="0"/>
           </a:p>
         </p:txBody>
       </p:sp>
@@ -10360,10 +10096,9 @@
           <a:lstStyle/>
           <a:p>
             <a:r>
-              <a:rPr lang="en-US" dirty="0" smtClean="0"/>
+              <a:rPr lang="en-US" dirty="0"/>
               <a:t>Traditional n-tier</a:t>
             </a:r>
-            <a:endParaRPr lang="en-US" dirty="0"/>
           </a:p>
         </p:txBody>
       </p:sp>
@@ -10404,10 +10139,9 @@
           <a:p>
             <a:pPr algn="ctr"/>
             <a:r>
-              <a:rPr lang="en-US" sz="4000" dirty="0" smtClean="0"/>
+              <a:rPr lang="en-US" sz="4000" dirty="0"/>
               <a:t>UI Layer</a:t>
             </a:r>
-            <a:endParaRPr lang="en-US" sz="4000" dirty="0"/>
           </a:p>
         </p:txBody>
       </p:sp>
@@ -10448,10 +10182,9 @@
           <a:p>
             <a:pPr algn="ctr"/>
             <a:r>
-              <a:rPr lang="en-US" sz="4000" dirty="0" smtClean="0"/>
+              <a:rPr lang="en-US" sz="4000" dirty="0"/>
               <a:t>Business Logic Layer</a:t>
             </a:r>
-            <a:endParaRPr lang="en-US" sz="4000" dirty="0"/>
           </a:p>
         </p:txBody>
       </p:sp>
@@ -10492,10 +10225,9 @@
           <a:p>
             <a:pPr algn="ctr"/>
             <a:r>
-              <a:rPr lang="en-US" sz="4000" dirty="0" smtClean="0"/>
+              <a:rPr lang="en-US" sz="4000" dirty="0"/>
               <a:t>Data Access Layer</a:t>
             </a:r>
-            <a:endParaRPr lang="en-US" sz="4000" dirty="0"/>
           </a:p>
         </p:txBody>
       </p:sp>
@@ -10536,10 +10268,9 @@
           <a:p>
             <a:pPr algn="ctr"/>
             <a:r>
-              <a:rPr lang="en-US" sz="4000" dirty="0" smtClean="0"/>
+              <a:rPr lang="en-US" sz="4000" dirty="0"/>
               <a:t>Database</a:t>
             </a:r>
-            <a:endParaRPr lang="en-US" sz="4000" dirty="0"/>
           </a:p>
         </p:txBody>
       </p:sp>
@@ -10553,13 +10284,6 @@
   <p:clrMapOvr>
     <a:masterClrMapping/>
   </p:clrMapOvr>
-  <p:timing>
-    <p:tnLst>
-      <p:par>
-        <p:cTn id="1" dur="indefinite" restart="never" nodeType="tmRoot"/>
-      </p:par>
-    </p:tnLst>
-  </p:timing>
 </p:sld>
 </file>
 
@@ -10596,10 +10320,9 @@
           <a:lstStyle/>
           <a:p>
             <a:r>
-              <a:rPr lang="en-US" dirty="0" smtClean="0"/>
+              <a:rPr lang="en-US" dirty="0"/>
               <a:t>Modified validation flow</a:t>
             </a:r>
-            <a:endParaRPr lang="en-US" dirty="0"/>
           </a:p>
         </p:txBody>
       </p:sp>
@@ -10640,10 +10363,9 @@
           <a:p>
             <a:pPr algn="ctr"/>
             <a:r>
-              <a:rPr lang="en-US" sz="2800" dirty="0" smtClean="0"/>
+              <a:rPr lang="en-US" sz="2800" dirty="0"/>
               <a:t>MVC</a:t>
             </a:r>
-            <a:endParaRPr lang="en-US" sz="2800" dirty="0"/>
           </a:p>
         </p:txBody>
       </p:sp>
@@ -10684,10 +10406,9 @@
           <a:p>
             <a:pPr algn="ctr"/>
             <a:r>
-              <a:rPr lang="en-US" sz="2800" dirty="0" smtClean="0"/>
+              <a:rPr lang="en-US" sz="2800" dirty="0"/>
               <a:t>Browser</a:t>
             </a:r>
-            <a:endParaRPr lang="en-US" sz="2800" dirty="0"/>
           </a:p>
         </p:txBody>
       </p:sp>
@@ -10791,10 +10512,9 @@
           <a:p>
             <a:pPr algn="ctr"/>
             <a:r>
-              <a:rPr lang="en-US" sz="2800" dirty="0" smtClean="0"/>
+              <a:rPr lang="en-US" sz="2800" dirty="0"/>
               <a:t>AJAX POST</a:t>
             </a:r>
-            <a:endParaRPr lang="en-US" sz="2800" dirty="0"/>
           </a:p>
         </p:txBody>
       </p:sp>
@@ -10865,10 +10585,9 @@
           <a:lstStyle/>
           <a:p>
             <a:r>
-              <a:rPr lang="en-US" sz="2400" dirty="0" smtClean="0"/>
+              <a:rPr lang="en-US" sz="2400" dirty="0"/>
               <a:t>Valid?</a:t>
             </a:r>
-            <a:endParaRPr lang="en-US" sz="2400" dirty="0"/>
           </a:p>
         </p:txBody>
       </p:sp>
@@ -10931,17 +10650,17 @@
           <a:lstStyle/>
           <a:p>
             <a:r>
-              <a:rPr lang="en-US" dirty="0" smtClean="0"/>
+              <a:rPr lang="en-US" dirty="0"/>
               <a:t>400 Bad Request</a:t>
             </a:r>
           </a:p>
           <a:p>
             <a:r>
-              <a:rPr lang="en-US" dirty="0" smtClean="0"/>
+              <a:rPr lang="en-US" dirty="0"/>
               <a:t>text/</a:t>
             </a:r>
             <a:r>
-              <a:rPr lang="en-US" dirty="0" err="1" smtClean="0"/>
+              <a:rPr lang="en-US" dirty="0" err="1"/>
               <a:t>javascript</a:t>
             </a:r>
             <a:endParaRPr lang="en-US" dirty="0"/>
@@ -11053,10 +10772,9 @@
           <a:lstStyle/>
           <a:p>
             <a:r>
-              <a:rPr lang="en-US" sz="2400" dirty="0" smtClean="0"/>
+              <a:rPr lang="en-US" sz="2400" dirty="0"/>
               <a:t>Do Work</a:t>
             </a:r>
-            <a:endParaRPr lang="en-US" sz="2400" dirty="0"/>
           </a:p>
         </p:txBody>
       </p:sp>
@@ -11119,16 +10837,15 @@
           <a:lstStyle/>
           <a:p>
             <a:r>
-              <a:rPr lang="en-US" dirty="0" smtClean="0"/>
+              <a:rPr lang="en-US" dirty="0"/>
               <a:t>302 Found</a:t>
             </a:r>
           </a:p>
           <a:p>
             <a:r>
-              <a:rPr lang="en-US" dirty="0" smtClean="0"/>
+              <a:rPr lang="en-US" dirty="0"/>
               <a:t>/student/index</a:t>
             </a:r>
-            <a:endParaRPr lang="en-US" dirty="0"/>
           </a:p>
         </p:txBody>
       </p:sp>
@@ -11695,10 +11412,9 @@
           <a:lstStyle/>
           <a:p>
             <a:r>
-              <a:rPr lang="en-US" dirty="0" smtClean="0"/>
+              <a:rPr lang="en-US" dirty="0"/>
               <a:t>Cross-cutting validation</a:t>
             </a:r>
-            <a:endParaRPr lang="en-US" dirty="0"/>
           </a:p>
         </p:txBody>
       </p:sp>
@@ -11780,13 +11496,6 @@
   <p:clrMapOvr>
     <a:masterClrMapping/>
   </p:clrMapOvr>
-  <p:timing>
-    <p:tnLst>
-      <p:par>
-        <p:cTn id="1" dur="indefinite" restart="never" nodeType="tmRoot"/>
-      </p:par>
-    </p:tnLst>
-  </p:timing>
 </p:sld>
 </file>
 
@@ -11824,10 +11533,9 @@
           <a:p>
             <a:pPr algn="ctr"/>
             <a:r>
-              <a:rPr lang="en-US" dirty="0" smtClean="0"/>
+              <a:rPr lang="en-US" dirty="0"/>
               <a:t>Organize by feature not layer</a:t>
             </a:r>
-            <a:endParaRPr lang="en-US" dirty="0"/>
           </a:p>
         </p:txBody>
       </p:sp>
@@ -11860,13 +11568,6 @@
   <p:clrMapOvr>
     <a:masterClrMapping/>
   </p:clrMapOvr>
-  <p:timing>
-    <p:tnLst>
-      <p:par>
-        <p:cTn id="1" dur="indefinite" restart="never" nodeType="tmRoot"/>
-      </p:par>
-    </p:tnLst>
-  </p:timing>
 </p:sld>
 </file>
 
@@ -11903,10 +11604,9 @@
           <a:lstStyle/>
           <a:p>
             <a:r>
-              <a:rPr lang="en-US" dirty="0" smtClean="0"/>
+              <a:rPr lang="en-US" dirty="0"/>
               <a:t>Areas of change</a:t>
             </a:r>
-            <a:endParaRPr lang="en-US" dirty="0"/>
           </a:p>
         </p:txBody>
       </p:sp>
@@ -12324,10 +12024,9 @@
           <a:lstStyle/>
           <a:p>
             <a:r>
-              <a:rPr lang="en-US" dirty="0" smtClean="0"/>
+              <a:rPr lang="en-US" dirty="0"/>
               <a:t>Collapsing Models</a:t>
             </a:r>
-            <a:endParaRPr lang="en-US" dirty="0"/>
           </a:p>
         </p:txBody>
       </p:sp>
@@ -12699,10 +12398,9 @@
           <a:lstStyle/>
           <a:p>
             <a:r>
-              <a:rPr lang="en-US" dirty="0" smtClean="0"/>
+              <a:rPr lang="en-US" dirty="0"/>
               <a:t>Collapsing Features</a:t>
             </a:r>
-            <a:endParaRPr lang="en-US" dirty="0"/>
           </a:p>
         </p:txBody>
       </p:sp>
@@ -12742,13 +12440,6 @@
   <p:clrMapOvr>
     <a:masterClrMapping/>
   </p:clrMapOvr>
-  <p:timing>
-    <p:tnLst>
-      <p:par>
-        <p:cTn id="1" dur="indefinite" restart="never" nodeType="tmRoot"/>
-      </p:par>
-    </p:tnLst>
-  </p:timing>
 </p:sld>
 </file>
 
@@ -12785,10 +12476,9 @@
           <a:lstStyle/>
           <a:p>
             <a:r>
-              <a:rPr lang="en-US" dirty="0" smtClean="0"/>
+              <a:rPr lang="en-US" dirty="0"/>
               <a:t>Full-stack organization</a:t>
             </a:r>
-            <a:endParaRPr lang="en-US" dirty="0"/>
           </a:p>
         </p:txBody>
       </p:sp>
@@ -12984,10 +12674,9 @@
           <a:lstStyle/>
           <a:p>
             <a:r>
-              <a:rPr lang="en-US" dirty="0" smtClean="0"/>
+              <a:rPr lang="en-US" dirty="0"/>
               <a:t>Redirecting MVC Views</a:t>
             </a:r>
-            <a:endParaRPr lang="en-US" dirty="0"/>
           </a:p>
         </p:txBody>
       </p:sp>
@@ -13027,13 +12716,6 @@
   <p:clrMapOvr>
     <a:masterClrMapping/>
   </p:clrMapOvr>
-  <p:timing>
-    <p:tnLst>
-      <p:par>
-        <p:cTn id="1" dur="indefinite" restart="never" nodeType="tmRoot"/>
-      </p:par>
-    </p:tnLst>
-  </p:timing>
 </p:sld>
 </file>
 
@@ -13070,14 +12752,13 @@
           <a:lstStyle/>
           <a:p>
             <a:r>
-              <a:rPr lang="en-US" dirty="0" err="1" smtClean="0"/>
+              <a:rPr lang="en-US" dirty="0" err="1"/>
               <a:t>RequireJS</a:t>
             </a:r>
             <a:r>
-              <a:rPr lang="en-US" dirty="0" smtClean="0"/>
+              <a:rPr lang="en-US" dirty="0"/>
               <a:t> module per slice</a:t>
             </a:r>
-            <a:endParaRPr lang="en-US" dirty="0"/>
           </a:p>
         </p:txBody>
       </p:sp>
@@ -13117,13 +12798,6 @@
   <p:clrMapOvr>
     <a:masterClrMapping/>
   </p:clrMapOvr>
-  <p:timing>
-    <p:tnLst>
-      <p:par>
-        <p:cTn id="1" dur="indefinite" restart="never" nodeType="tmRoot"/>
-      </p:par>
-    </p:tnLst>
-  </p:timing>
 </p:sld>
 </file>
 
@@ -13160,10 +12834,9 @@
           <a:lstStyle/>
           <a:p>
             <a:r>
-              <a:rPr lang="en-US" dirty="0" smtClean="0"/>
+              <a:rPr lang="en-US" dirty="0"/>
               <a:t>Our Controller</a:t>
             </a:r>
-            <a:endParaRPr lang="en-US" dirty="0"/>
           </a:p>
         </p:txBody>
       </p:sp>
@@ -13203,13 +12876,6 @@
   <p:clrMapOvr>
     <a:masterClrMapping/>
   </p:clrMapOvr>
-  <p:timing>
-    <p:tnLst>
-      <p:par>
-        <p:cTn id="1" dur="indefinite" restart="never" nodeType="tmRoot"/>
-      </p:par>
-    </p:tnLst>
-  </p:timing>
 </p:sld>
 </file>
 
@@ -13246,10 +12912,9 @@
           <a:lstStyle/>
           <a:p>
             <a:r>
-              <a:rPr lang="en-US" dirty="0" smtClean="0"/>
+              <a:rPr lang="en-US" dirty="0"/>
               <a:t>DDD-style n-tier</a:t>
             </a:r>
-            <a:endParaRPr lang="en-US" dirty="0"/>
           </a:p>
         </p:txBody>
       </p:sp>
@@ -13290,10 +12955,9 @@
           <a:p>
             <a:pPr algn="ctr"/>
             <a:r>
-              <a:rPr lang="en-US" sz="4000" dirty="0" smtClean="0"/>
+              <a:rPr lang="en-US" sz="4000" dirty="0"/>
               <a:t>UI Layer</a:t>
             </a:r>
-            <a:endParaRPr lang="en-US" sz="4000" dirty="0"/>
           </a:p>
         </p:txBody>
       </p:sp>
@@ -13334,10 +12998,9 @@
           <a:p>
             <a:pPr algn="ctr"/>
             <a:r>
-              <a:rPr lang="en-US" sz="4000" dirty="0" smtClean="0"/>
+              <a:rPr lang="en-US" sz="4000" dirty="0"/>
               <a:t>Domain Objects</a:t>
             </a:r>
-            <a:endParaRPr lang="en-US" sz="4000" dirty="0"/>
           </a:p>
         </p:txBody>
       </p:sp>
@@ -13378,10 +13041,9 @@
           <a:p>
             <a:pPr algn="ctr"/>
             <a:r>
-              <a:rPr lang="en-US" sz="4000" dirty="0" smtClean="0"/>
+              <a:rPr lang="en-US" sz="4000" dirty="0"/>
               <a:t>Repository</a:t>
             </a:r>
-            <a:endParaRPr lang="en-US" sz="4000" dirty="0"/>
           </a:p>
         </p:txBody>
       </p:sp>
@@ -13422,10 +13084,9 @@
           <a:p>
             <a:pPr algn="ctr"/>
             <a:r>
-              <a:rPr lang="en-US" sz="4000" dirty="0" smtClean="0"/>
+              <a:rPr lang="en-US" sz="4000" dirty="0"/>
               <a:t>Database</a:t>
             </a:r>
-            <a:endParaRPr lang="en-US" sz="4000" dirty="0"/>
           </a:p>
         </p:txBody>
       </p:sp>
@@ -13439,13 +13100,6 @@
   <p:clrMapOvr>
     <a:masterClrMapping/>
   </p:clrMapOvr>
-  <p:timing>
-    <p:tnLst>
-      <p:par>
-        <p:cTn id="1" dur="indefinite" restart="never" nodeType="tmRoot"/>
-      </p:par>
-    </p:tnLst>
-  </p:timing>
 </p:sld>
 </file>
 
@@ -13482,10 +13136,9 @@
           <a:lstStyle/>
           <a:p>
             <a:r>
-              <a:rPr lang="en-US" dirty="0" smtClean="0"/>
+              <a:rPr lang="en-US" dirty="0"/>
               <a:t>Architecture in slices</a:t>
             </a:r>
-            <a:endParaRPr lang="en-US" dirty="0"/>
           </a:p>
         </p:txBody>
       </p:sp>
@@ -13526,10 +13179,9 @@
           <a:p>
             <a:pPr algn="ctr"/>
             <a:r>
-              <a:rPr lang="en-US" dirty="0" smtClean="0"/>
+              <a:rPr lang="en-US" dirty="0"/>
               <a:t>Validation</a:t>
             </a:r>
-            <a:endParaRPr lang="en-US" dirty="0"/>
           </a:p>
         </p:txBody>
       </p:sp>
@@ -13570,10 +13222,9 @@
           <a:p>
             <a:pPr algn="ctr"/>
             <a:r>
-              <a:rPr lang="en-US" dirty="0" smtClean="0"/>
+              <a:rPr lang="en-US" dirty="0"/>
               <a:t>Authentication</a:t>
             </a:r>
-            <a:endParaRPr lang="en-US" dirty="0"/>
           </a:p>
         </p:txBody>
       </p:sp>
@@ -13614,10 +13265,9 @@
           <a:p>
             <a:pPr algn="ctr"/>
             <a:r>
-              <a:rPr lang="en-US" dirty="0" smtClean="0"/>
+              <a:rPr lang="en-US" dirty="0"/>
               <a:t>Authorization</a:t>
             </a:r>
-            <a:endParaRPr lang="en-US" dirty="0"/>
           </a:p>
         </p:txBody>
       </p:sp>
@@ -13658,10 +13308,9 @@
           <a:p>
             <a:pPr algn="ctr"/>
             <a:r>
-              <a:rPr lang="en-US" dirty="0" smtClean="0"/>
+              <a:rPr lang="en-US" dirty="0"/>
               <a:t>Feature</a:t>
             </a:r>
-            <a:endParaRPr lang="en-US" dirty="0"/>
           </a:p>
         </p:txBody>
       </p:sp>
@@ -13702,10 +13351,9 @@
           <a:p>
             <a:pPr algn="ctr"/>
             <a:r>
-              <a:rPr lang="en-US" dirty="0" smtClean="0"/>
+              <a:rPr lang="en-US" dirty="0"/>
               <a:t>Feature</a:t>
             </a:r>
-            <a:endParaRPr lang="en-US" dirty="0"/>
           </a:p>
         </p:txBody>
       </p:sp>
@@ -13746,10 +13394,9 @@
           <a:p>
             <a:pPr algn="ctr"/>
             <a:r>
-              <a:rPr lang="en-US" dirty="0" smtClean="0"/>
+              <a:rPr lang="en-US" dirty="0"/>
               <a:t>Feature</a:t>
             </a:r>
-            <a:endParaRPr lang="en-US" dirty="0"/>
           </a:p>
         </p:txBody>
       </p:sp>
@@ -13790,10 +13437,9 @@
           <a:p>
             <a:pPr algn="ctr"/>
             <a:r>
-              <a:rPr lang="en-US" dirty="0" smtClean="0"/>
+              <a:rPr lang="en-US" dirty="0"/>
               <a:t>Feature</a:t>
             </a:r>
-            <a:endParaRPr lang="en-US" dirty="0"/>
           </a:p>
         </p:txBody>
       </p:sp>
@@ -13834,10 +13480,9 @@
           <a:p>
             <a:pPr algn="ctr"/>
             <a:r>
-              <a:rPr lang="en-US" dirty="0" smtClean="0"/>
+              <a:rPr lang="en-US" dirty="0"/>
               <a:t>Feature</a:t>
             </a:r>
-            <a:endParaRPr lang="en-US" dirty="0"/>
           </a:p>
         </p:txBody>
       </p:sp>
@@ -13878,10 +13523,9 @@
           <a:p>
             <a:pPr algn="ctr"/>
             <a:r>
-              <a:rPr lang="en-US" dirty="0" smtClean="0"/>
+              <a:rPr lang="en-US" dirty="0"/>
               <a:t>Feature</a:t>
             </a:r>
-            <a:endParaRPr lang="en-US" dirty="0"/>
           </a:p>
         </p:txBody>
       </p:sp>
@@ -13922,10 +13566,9 @@
           <a:p>
             <a:pPr algn="ctr"/>
             <a:r>
-              <a:rPr lang="en-US" dirty="0" smtClean="0"/>
+              <a:rPr lang="en-US" dirty="0"/>
               <a:t>Feature</a:t>
             </a:r>
-            <a:endParaRPr lang="en-US" dirty="0"/>
           </a:p>
         </p:txBody>
       </p:sp>
@@ -13966,10 +13609,9 @@
           <a:p>
             <a:pPr algn="ctr"/>
             <a:r>
-              <a:rPr lang="en-US" dirty="0" smtClean="0"/>
+              <a:rPr lang="en-US" dirty="0"/>
               <a:t>Feature</a:t>
             </a:r>
-            <a:endParaRPr lang="en-US" dirty="0"/>
           </a:p>
         </p:txBody>
       </p:sp>
@@ -14010,10 +13652,9 @@
           <a:p>
             <a:pPr algn="ctr"/>
             <a:r>
-              <a:rPr lang="en-US" dirty="0" smtClean="0"/>
+              <a:rPr lang="en-US" dirty="0"/>
               <a:t>Feature</a:t>
             </a:r>
-            <a:endParaRPr lang="en-US" dirty="0"/>
           </a:p>
         </p:txBody>
       </p:sp>
@@ -14054,10 +13695,9 @@
           <a:p>
             <a:pPr algn="ctr"/>
             <a:r>
-              <a:rPr lang="en-US" dirty="0" smtClean="0"/>
+              <a:rPr lang="en-US" dirty="0"/>
               <a:t>Feature</a:t>
             </a:r>
-            <a:endParaRPr lang="en-US" dirty="0"/>
           </a:p>
         </p:txBody>
       </p:sp>
@@ -14098,10 +13738,9 @@
           <a:p>
             <a:pPr algn="ctr"/>
             <a:r>
-              <a:rPr lang="en-US" dirty="0" smtClean="0"/>
+              <a:rPr lang="en-US" dirty="0"/>
               <a:t>Feature</a:t>
             </a:r>
-            <a:endParaRPr lang="en-US" dirty="0"/>
           </a:p>
         </p:txBody>
       </p:sp>
@@ -14142,10 +13781,9 @@
           <a:p>
             <a:pPr algn="ctr"/>
             <a:r>
-              <a:rPr lang="en-US" dirty="0" smtClean="0"/>
+              <a:rPr lang="en-US" dirty="0"/>
               <a:t>Feature</a:t>
             </a:r>
-            <a:endParaRPr lang="en-US" dirty="0"/>
           </a:p>
         </p:txBody>
       </p:sp>
@@ -14186,10 +13824,9 @@
           <a:p>
             <a:pPr algn="ctr"/>
             <a:r>
-              <a:rPr lang="en-US" dirty="0" smtClean="0"/>
+              <a:rPr lang="en-US" dirty="0"/>
               <a:t>Feature</a:t>
             </a:r>
-            <a:endParaRPr lang="en-US" dirty="0"/>
           </a:p>
         </p:txBody>
       </p:sp>
@@ -14230,10 +13867,9 @@
           <a:p>
             <a:pPr algn="ctr"/>
             <a:r>
-              <a:rPr lang="en-US" dirty="0" smtClean="0"/>
+              <a:rPr lang="en-US" dirty="0"/>
               <a:t>Feature</a:t>
             </a:r>
-            <a:endParaRPr lang="en-US" dirty="0"/>
           </a:p>
         </p:txBody>
       </p:sp>
@@ -14274,10 +13910,9 @@
           <a:p>
             <a:pPr algn="ctr"/>
             <a:r>
-              <a:rPr lang="en-US" dirty="0" smtClean="0"/>
+              <a:rPr lang="en-US" dirty="0"/>
               <a:t>Persistence</a:t>
             </a:r>
-            <a:endParaRPr lang="en-US" dirty="0"/>
           </a:p>
         </p:txBody>
       </p:sp>
@@ -14343,10 +13978,9 @@
           <a:lstStyle/>
           <a:p>
             <a:r>
-              <a:rPr lang="en-US" dirty="0" smtClean="0"/>
+              <a:rPr lang="en-US" dirty="0"/>
               <a:t>Domain Agnostic</a:t>
             </a:r>
-            <a:endParaRPr lang="en-US" dirty="0"/>
           </a:p>
         </p:txBody>
       </p:sp>
@@ -14412,10 +14046,9 @@
           <a:lstStyle/>
           <a:p>
             <a:r>
-              <a:rPr lang="en-US" dirty="0" smtClean="0"/>
+              <a:rPr lang="en-US" dirty="0"/>
               <a:t>Domain Specific</a:t>
             </a:r>
-            <a:endParaRPr lang="en-US" dirty="0"/>
           </a:p>
         </p:txBody>
       </p:sp>
@@ -14645,10 +14278,9 @@
           <a:lstStyle/>
           <a:p>
             <a:r>
-              <a:rPr lang="en-US" dirty="0" smtClean="0"/>
+              <a:rPr lang="en-US" dirty="0"/>
               <a:t>SOLID Roundup</a:t>
             </a:r>
-            <a:endParaRPr lang="en-US" dirty="0"/>
           </a:p>
         </p:txBody>
       </p:sp>
@@ -14670,7 +14302,7 @@
           <a:lstStyle/>
           <a:p>
             <a:r>
-              <a:rPr lang="en-US" dirty="0" smtClean="0"/>
+              <a:rPr lang="en-US" dirty="0"/>
               <a:t>SRP – One class per feature/concept</a:t>
             </a:r>
           </a:p>
@@ -14679,7 +14311,7 @@
           </a:p>
           <a:p>
             <a:r>
-              <a:rPr lang="en-US" dirty="0" smtClean="0"/>
+              <a:rPr lang="en-US" dirty="0"/>
               <a:t>OCP – Extend through cross-cutting concerns</a:t>
             </a:r>
           </a:p>
@@ -14688,7 +14320,7 @@
           </a:p>
           <a:p>
             <a:r>
-              <a:rPr lang="en-US" dirty="0" smtClean="0"/>
+              <a:rPr lang="en-US" dirty="0"/>
               <a:t>LSP – Just don’t do inheritance</a:t>
             </a:r>
           </a:p>
@@ -14697,7 +14329,7 @@
           </a:p>
           <a:p>
             <a:r>
-              <a:rPr lang="en-US" dirty="0" smtClean="0"/>
+              <a:rPr lang="en-US" dirty="0"/>
               <a:t>ISP – Separating queries from commands</a:t>
             </a:r>
           </a:p>
@@ -14706,10 +14338,9 @@
           </a:p>
           <a:p>
             <a:r>
-              <a:rPr lang="en-US" dirty="0" smtClean="0"/>
+              <a:rPr lang="en-US" dirty="0"/>
               <a:t>DIP – Save for true external dependencies</a:t>
             </a:r>
-            <a:endParaRPr lang="en-US" dirty="0"/>
           </a:p>
         </p:txBody>
       </p:sp>
@@ -15047,14 +14678,14 @@
           <a:lstStyle/>
           <a:p>
             <a:r>
-              <a:rPr lang="en-US" dirty="0" smtClean="0"/>
+              <a:rPr lang="en-US" dirty="0"/>
               <a:t>SOLID Architecture:</a:t>
             </a:r>
             <a:br>
-              <a:rPr lang="en-US" dirty="0" smtClean="0"/>
+              <a:rPr lang="en-US" dirty="0"/>
             </a:br>
             <a:r>
-              <a:rPr lang="en-US" dirty="0" smtClean="0"/>
+              <a:rPr lang="en-US" dirty="0"/>
               <a:t>Slices not Layers</a:t>
             </a:r>
             <a:endParaRPr lang="en-US" sz="4800" dirty="0"/>
@@ -15082,65 +14713,149 @@
         </p:spPr>
         <p:txBody>
           <a:bodyPr>
-            <a:normAutofit/>
+            <a:normAutofit lnSpcReduction="10000"/>
           </a:bodyPr>
           <a:lstStyle/>
           <a:p>
             <a:r>
-              <a:rPr lang="en-US" dirty="0" smtClean="0"/>
+              <a:rPr lang="en-US" dirty="0"/>
               <a:t>Jimmy Bogard</a:t>
             </a:r>
           </a:p>
           <a:p>
             <a:r>
-              <a:rPr lang="en-US" dirty="0" smtClean="0"/>
+              <a:rPr lang="en-US" dirty="0"/>
               <a:t>@</a:t>
             </a:r>
             <a:r>
-              <a:rPr lang="en-US" dirty="0" err="1" smtClean="0"/>
+              <a:rPr lang="en-US" dirty="0" err="1"/>
               <a:t>jbogard</a:t>
             </a:r>
-            <a:endParaRPr lang="en-US" dirty="0" smtClean="0"/>
-          </a:p>
-          <a:p>
-            <a:r>
-              <a:rPr lang="en-US" dirty="0" smtClean="0"/>
+            <a:endParaRPr lang="en-US" dirty="0"/>
+          </a:p>
+          <a:p>
+            <a:r>
+              <a:rPr lang="en-US" dirty="0"/>
               <a:t>github.com/</a:t>
             </a:r>
             <a:r>
-              <a:rPr lang="en-US" dirty="0" err="1" smtClean="0"/>
+              <a:rPr lang="en-US" dirty="0" err="1"/>
               <a:t>jbogard</a:t>
             </a:r>
-            <a:endParaRPr lang="en-US" dirty="0" smtClean="0"/>
-          </a:p>
-          <a:p>
-            <a:r>
-              <a:rPr lang="en-US" dirty="0" smtClean="0"/>
+            <a:endParaRPr lang="en-US" dirty="0"/>
+          </a:p>
+          <a:p>
+            <a:r>
+              <a:rPr lang="en-US" dirty="0"/>
               <a:t>jimmybogard.lostechies.com</a:t>
             </a:r>
           </a:p>
           <a:p>
-            <a:endParaRPr lang="en-US" dirty="0" smtClean="0"/>
-          </a:p>
-          <a:p>
-            <a:r>
-              <a:rPr lang="en-US" dirty="0" smtClean="0"/>
+            <a:r>
+              <a:rPr lang="en-US" dirty="0"/>
+              <a:t>11xengineering.com</a:t>
+            </a:r>
+          </a:p>
+          <a:p>
+            <a:endParaRPr lang="en-US" dirty="0"/>
+          </a:p>
+          <a:p>
+            <a:r>
+              <a:rPr lang="en-US" dirty="0"/>
               <a:t>github.com/</a:t>
             </a:r>
             <a:r>
-              <a:rPr lang="en-US" dirty="0" err="1" smtClean="0"/>
+              <a:rPr lang="en-US" dirty="0" err="1"/>
               <a:t>jbogard</a:t>
             </a:r>
             <a:r>
-              <a:rPr lang="en-US" dirty="0" smtClean="0"/>
+              <a:rPr lang="en-US" dirty="0"/>
               <a:t>/presentations</a:t>
             </a:r>
           </a:p>
         </p:txBody>
       </p:sp>
+      <p:sp>
+        <p:nvSpPr>
+          <p:cNvPr id="5" name="TextBox 4"/>
+          <p:cNvSpPr txBox="1"/>
+          <p:nvPr/>
+        </p:nvSpPr>
+        <p:spPr>
+          <a:xfrm>
+            <a:off x="8880232" y="4492868"/>
+            <a:ext cx="2857500" cy="954107"/>
+          </a:xfrm>
+          <a:prstGeom prst="rect">
+            <a:avLst/>
+          </a:prstGeom>
+          <a:noFill/>
+          <a:ln w="38100">
+            <a:solidFill>
+              <a:schemeClr val="accent2"/>
+            </a:solidFill>
+          </a:ln>
+        </p:spPr>
+        <p:txBody>
+          <a:bodyPr wrap="square" rtlCol="0">
+            <a:spAutoFit/>
+          </a:bodyPr>
+          <a:lstStyle/>
+          <a:p>
+            <a:pPr algn="ctr"/>
+            <a:r>
+              <a:rPr lang="en-US" sz="2800" dirty="0"/>
+              <a:t>Promo Code:</a:t>
+            </a:r>
+          </a:p>
+          <a:p>
+            <a:pPr algn="ctr"/>
+            <a:r>
+              <a:rPr lang="en-US" sz="2800" dirty="0"/>
+              <a:t>KCDC</a:t>
+            </a:r>
+          </a:p>
+        </p:txBody>
+      </p:sp>
+      <p:cxnSp>
+        <p:nvCxnSpPr>
+          <p:cNvPr id="7" name="Straight Arrow Connector 6"/>
+          <p:cNvCxnSpPr/>
+          <p:nvPr/>
+        </p:nvCxnSpPr>
+        <p:spPr>
+          <a:xfrm>
+            <a:off x="7983415" y="5020408"/>
+            <a:ext cx="685800" cy="0"/>
+          </a:xfrm>
+          <a:prstGeom prst="straightConnector1">
+            <a:avLst/>
+          </a:prstGeom>
+          <a:ln w="38100">
+            <a:solidFill>
+              <a:schemeClr val="accent2"/>
+            </a:solidFill>
+            <a:tailEnd type="triangle"/>
+          </a:ln>
+        </p:spPr>
+        <p:style>
+          <a:lnRef idx="1">
+            <a:schemeClr val="accent1"/>
+          </a:lnRef>
+          <a:fillRef idx="0">
+            <a:schemeClr val="accent1"/>
+          </a:fillRef>
+          <a:effectRef idx="0">
+            <a:schemeClr val="accent1"/>
+          </a:effectRef>
+          <a:fontRef idx="minor">
+            <a:schemeClr val="tx1"/>
+          </a:fontRef>
+        </p:style>
+      </p:cxnSp>
       <p:pic>
         <p:nvPicPr>
-          <p:cNvPr id="8" name="Picture 2" descr="http://cdn.brobible.com/wp-content/uploads/2014/04/poo-emoji.jpg"/>
+          <p:cNvPr id="6" name="Picture 2" descr="http://cdn.brobible.com/wp-content/uploads/2014/04/poo-emoji.jpg"/>
           <p:cNvPicPr>
             <a:picLocks noChangeAspect="1" noChangeArrowheads="1"/>
           </p:cNvPicPr>
@@ -15181,7 +14896,7 @@
       </p:pic>
       <p:sp>
         <p:nvSpPr>
-          <p:cNvPr id="4" name="&quot;No&quot; Symbol 3"/>
+          <p:cNvPr id="8" name="&quot;No&quot; Symbol 7"/>
           <p:cNvSpPr/>
           <p:nvPr/>
         </p:nvSpPr>
@@ -15229,20 +14944,13 @@
     </p:custDataLst>
     <p:extLst>
       <p:ext uri="{BB962C8B-B14F-4D97-AF65-F5344CB8AC3E}">
-        <p14:creationId xmlns:p14="http://schemas.microsoft.com/office/powerpoint/2010/main" val="720850533"/>
+        <p14:creationId xmlns:p14="http://schemas.microsoft.com/office/powerpoint/2010/main" val="1896525619"/>
       </p:ext>
     </p:extLst>
   </p:cSld>
   <p:clrMapOvr>
     <a:masterClrMapping/>
   </p:clrMapOvr>
-  <p:timing>
-    <p:tnLst>
-      <p:par>
-        <p:cTn id="1" dur="indefinite" restart="never" nodeType="tmRoot"/>
-      </p:par>
-    </p:tnLst>
-  </p:timing>
 </p:sld>
 </file>
 
@@ -15279,10 +14987,9 @@
           <a:lstStyle/>
           <a:p>
             <a:r>
-              <a:rPr lang="en-US" dirty="0" smtClean="0"/>
+              <a:rPr lang="en-US" dirty="0"/>
               <a:t>Organizing by layer</a:t>
             </a:r>
-            <a:endParaRPr lang="en-US" dirty="0"/>
           </a:p>
         </p:txBody>
       </p:sp>
@@ -15302,37 +15009,37 @@
           <a:lstStyle/>
           <a:p>
             <a:r>
-              <a:rPr lang="en-US" dirty="0" err="1" smtClean="0"/>
+              <a:rPr lang="en-US" dirty="0" err="1"/>
               <a:t>Person.cs</a:t>
             </a:r>
-            <a:endParaRPr lang="en-US" dirty="0" smtClean="0"/>
-          </a:p>
-          <a:p>
             <a:endParaRPr lang="en-US" dirty="0"/>
           </a:p>
           <a:p>
-            <a:r>
-              <a:rPr lang="en-US" dirty="0" err="1" smtClean="0"/>
+            <a:endParaRPr lang="en-US" dirty="0"/>
+          </a:p>
+          <a:p>
+            <a:r>
+              <a:rPr lang="en-US" dirty="0" err="1"/>
               <a:t>PersonController.cs</a:t>
             </a:r>
-            <a:endParaRPr lang="en-US" dirty="0" smtClean="0"/>
-          </a:p>
-          <a:p>
             <a:endParaRPr lang="en-US" dirty="0"/>
           </a:p>
           <a:p>
-            <a:r>
-              <a:rPr lang="en-US" dirty="0" err="1" smtClean="0"/>
+            <a:endParaRPr lang="en-US" dirty="0"/>
+          </a:p>
+          <a:p>
+            <a:r>
+              <a:rPr lang="en-US" dirty="0" err="1"/>
               <a:t>PersonService.cs</a:t>
             </a:r>
-            <a:endParaRPr lang="en-US" dirty="0" smtClean="0"/>
-          </a:p>
-          <a:p>
             <a:endParaRPr lang="en-US" dirty="0"/>
           </a:p>
           <a:p>
-            <a:r>
-              <a:rPr lang="en-US" dirty="0" err="1" smtClean="0"/>
+            <a:endParaRPr lang="en-US" dirty="0"/>
+          </a:p>
+          <a:p>
+            <a:r>
+              <a:rPr lang="en-US" dirty="0" err="1"/>
               <a:t>PersonRepository.cs</a:t>
             </a:r>
             <a:endParaRPr lang="en-US" dirty="0"/>
@@ -15349,13 +15056,6 @@
   <p:clrMapOvr>
     <a:masterClrMapping/>
   </p:clrMapOvr>
-  <p:timing>
-    <p:tnLst>
-      <p:par>
-        <p:cTn id="1" dur="indefinite" restart="never" nodeType="tmRoot"/>
-      </p:par>
-    </p:tnLst>
-  </p:timing>
 </p:sld>
 </file>
 
@@ -15392,10 +15092,9 @@
           <a:lstStyle/>
           <a:p>
             <a:r>
-              <a:rPr lang="en-US" dirty="0" smtClean="0"/>
+              <a:rPr lang="en-US" dirty="0"/>
               <a:t>Inmates blew up the asylum</a:t>
             </a:r>
-            <a:endParaRPr lang="en-US" dirty="0"/>
           </a:p>
         </p:txBody>
       </p:sp>
@@ -15435,13 +15134,6 @@
   <p:clrMapOvr>
     <a:masterClrMapping/>
   </p:clrMapOvr>
-  <p:timing>
-    <p:tnLst>
-      <p:par>
-        <p:cTn id="1" dur="indefinite" restart="never" nodeType="tmRoot"/>
-      </p:par>
-    </p:tnLst>
-  </p:timing>
 </p:sld>
 </file>
 
@@ -15478,10 +15170,9 @@
           <a:lstStyle/>
           <a:p>
             <a:r>
-              <a:rPr lang="en-US" dirty="0" smtClean="0"/>
+              <a:rPr lang="en-US" dirty="0"/>
               <a:t>Web App Characteristics</a:t>
             </a:r>
-            <a:endParaRPr lang="en-US" dirty="0"/>
           </a:p>
         </p:txBody>
       </p:sp>
@@ -15506,13 +15197,13 @@
           <a:lstStyle/>
           <a:p>
             <a:r>
-              <a:rPr lang="en-US" dirty="0" smtClean="0"/>
+              <a:rPr lang="en-US" dirty="0"/>
               <a:t>Safe</a:t>
             </a:r>
           </a:p>
           <a:p>
             <a:r>
-              <a:rPr lang="en-US" dirty="0" smtClean="0"/>
+              <a:rPr lang="en-US" dirty="0"/>
               <a:t>Idempotent</a:t>
             </a:r>
           </a:p>
@@ -15520,26 +15211,25 @@
             <a:endParaRPr lang="en-US" dirty="0"/>
           </a:p>
           <a:p>
-            <a:endParaRPr lang="en-US" dirty="0" smtClean="0"/>
-          </a:p>
-          <a:p>
             <a:endParaRPr lang="en-US" dirty="0"/>
           </a:p>
           <a:p>
-            <a:endParaRPr lang="en-US" dirty="0" smtClean="0"/>
-          </a:p>
-          <a:p>
-            <a:r>
-              <a:rPr lang="en-US" dirty="0" smtClean="0"/>
+            <a:endParaRPr lang="en-US" dirty="0"/>
+          </a:p>
+          <a:p>
+            <a:endParaRPr lang="en-US" dirty="0"/>
+          </a:p>
+          <a:p>
+            <a:r>
+              <a:rPr lang="en-US" dirty="0"/>
               <a:t>Unsafe</a:t>
             </a:r>
           </a:p>
           <a:p>
             <a:r>
-              <a:rPr lang="en-US" dirty="0" smtClean="0"/>
+              <a:rPr lang="en-US" dirty="0"/>
               <a:t>Not idempotent</a:t>
             </a:r>
-            <a:endParaRPr lang="en-US" dirty="0"/>
           </a:p>
         </p:txBody>
       </p:sp>
@@ -15580,10 +15270,9 @@
           <a:p>
             <a:pPr algn="ctr"/>
             <a:r>
-              <a:rPr lang="en-US" dirty="0" smtClean="0"/>
+              <a:rPr lang="en-US" dirty="0"/>
               <a:t>Web App</a:t>
             </a:r>
-            <a:endParaRPr lang="en-US" dirty="0"/>
           </a:p>
         </p:txBody>
       </p:sp>
@@ -15644,10 +15333,9 @@
           <a:p>
             <a:pPr algn="ctr"/>
             <a:r>
-              <a:rPr lang="en-US" sz="3200" dirty="0" smtClean="0"/>
+              <a:rPr lang="en-US" sz="3200" dirty="0"/>
               <a:t>GET</a:t>
             </a:r>
-            <a:endParaRPr lang="en-US" sz="3200" dirty="0"/>
           </a:p>
         </p:txBody>
       </p:sp>
@@ -15708,10 +15396,9 @@
           <a:p>
             <a:pPr algn="ctr"/>
             <a:r>
-              <a:rPr lang="en-US" sz="3200" dirty="0" smtClean="0"/>
+              <a:rPr lang="en-US" sz="3200" dirty="0"/>
               <a:t>POST</a:t>
             </a:r>
-            <a:endParaRPr lang="en-US" sz="3200" dirty="0"/>
           </a:p>
         </p:txBody>
       </p:sp>
@@ -15739,10 +15426,9 @@
           <a:p>
             <a:pPr algn="ctr"/>
             <a:r>
-              <a:rPr lang="en-US" sz="3200" dirty="0" smtClean="0"/>
+              <a:rPr lang="en-US" sz="3200" dirty="0"/>
               <a:t>Query</a:t>
             </a:r>
-            <a:endParaRPr lang="en-US" sz="3200" dirty="0"/>
           </a:p>
         </p:txBody>
       </p:sp>
@@ -15770,10 +15456,9 @@
           <a:p>
             <a:pPr algn="ctr"/>
             <a:r>
-              <a:rPr lang="en-US" sz="3200" dirty="0" smtClean="0"/>
+              <a:rPr lang="en-US" sz="3200" dirty="0"/>
               <a:t>Command</a:t>
             </a:r>
-            <a:endParaRPr lang="en-US" sz="3200" dirty="0"/>
           </a:p>
         </p:txBody>
       </p:sp>
@@ -15947,10 +15632,9 @@
           <a:lstStyle/>
           <a:p>
             <a:r>
-              <a:rPr lang="en-US" dirty="0" smtClean="0"/>
+              <a:rPr lang="en-US" dirty="0"/>
               <a:t>Axes of change</a:t>
             </a:r>
-            <a:endParaRPr lang="en-US" dirty="0"/>
           </a:p>
         </p:txBody>
       </p:sp>
@@ -15991,10 +15675,9 @@
           <a:p>
             <a:pPr algn="ctr"/>
             <a:r>
-              <a:rPr lang="en-US" sz="4000" dirty="0" smtClean="0"/>
+              <a:rPr lang="en-US" sz="4000" dirty="0"/>
               <a:t>UI Layer</a:t>
             </a:r>
-            <a:endParaRPr lang="en-US" sz="4000" dirty="0"/>
           </a:p>
         </p:txBody>
       </p:sp>
@@ -16035,10 +15718,9 @@
           <a:p>
             <a:pPr algn="ctr"/>
             <a:r>
-              <a:rPr lang="en-US" sz="4000" dirty="0" smtClean="0"/>
+              <a:rPr lang="en-US" sz="4000" dirty="0"/>
               <a:t>Domain Objects</a:t>
             </a:r>
-            <a:endParaRPr lang="en-US" sz="4000" dirty="0"/>
           </a:p>
         </p:txBody>
       </p:sp>
@@ -16079,10 +15761,9 @@
           <a:p>
             <a:pPr algn="ctr"/>
             <a:r>
-              <a:rPr lang="en-US" sz="4000" dirty="0" smtClean="0"/>
+              <a:rPr lang="en-US" sz="4000" dirty="0"/>
               <a:t>Repository</a:t>
             </a:r>
-            <a:endParaRPr lang="en-US" sz="4000" dirty="0"/>
           </a:p>
         </p:txBody>
       </p:sp>
@@ -16123,10 +15804,9 @@
           <a:p>
             <a:pPr algn="ctr"/>
             <a:r>
-              <a:rPr lang="en-US" sz="4000" dirty="0" smtClean="0"/>
+              <a:rPr lang="en-US" sz="4000" dirty="0"/>
               <a:t>Database</a:t>
             </a:r>
-            <a:endParaRPr lang="en-US" sz="4000" dirty="0"/>
           </a:p>
         </p:txBody>
       </p:sp>
@@ -16167,10 +15847,9 @@
           <a:p>
             <a:pPr algn="ctr"/>
             <a:r>
-              <a:rPr lang="en-US" dirty="0" smtClean="0"/>
+              <a:rPr lang="en-US" dirty="0"/>
               <a:t>View Unapproved Invoices</a:t>
             </a:r>
-            <a:endParaRPr lang="en-US" dirty="0"/>
           </a:p>
         </p:txBody>
       </p:sp>
@@ -16211,10 +15890,9 @@
           <a:p>
             <a:pPr algn="ctr"/>
             <a:r>
-              <a:rPr lang="en-US" dirty="0" smtClean="0"/>
+              <a:rPr lang="en-US" dirty="0"/>
               <a:t>Approve Invoice</a:t>
             </a:r>
-            <a:endParaRPr lang="en-US" dirty="0"/>
           </a:p>
         </p:txBody>
       </p:sp>
@@ -16255,10 +15933,9 @@
           <a:p>
             <a:pPr algn="ctr"/>
             <a:r>
-              <a:rPr lang="en-US" dirty="0" smtClean="0"/>
+              <a:rPr lang="en-US" dirty="0"/>
               <a:t>Reject Invoice</a:t>
             </a:r>
-            <a:endParaRPr lang="en-US" dirty="0"/>
           </a:p>
         </p:txBody>
       </p:sp>

--- a/SOLIDArchitecture/SOLIDArchitecture.pptx
+++ b/SOLIDArchitecture/SOLIDArchitecture.pptx
@@ -248,7 +248,7 @@
           <a:p>
             <a:fld id="{BA11CBBD-FCCC-4341-9A07-9341F6C54581}" type="datetimeFigureOut">
               <a:rPr lang="en-US" smtClean="0"/>
-              <a:t>6/24/2016</a:t>
+              <a:t>5/16/2018</a:t>
             </a:fld>
             <a:endParaRPr lang="en-US"/>
           </a:p>
@@ -822,7 +822,7 @@
           <a:p>
             <a:fld id="{A2B0D24E-6441-4C34-9150-7D417DBEA707}" type="datetimeFigureOut">
               <a:rPr lang="en-US" smtClean="0"/>
-              <a:t>6/24/2016</a:t>
+              <a:t>5/16/2018</a:t>
             </a:fld>
             <a:endParaRPr lang="en-US"/>
           </a:p>
@@ -990,7 +990,7 @@
           <a:p>
             <a:fld id="{A2B0D24E-6441-4C34-9150-7D417DBEA707}" type="datetimeFigureOut">
               <a:rPr lang="en-US" smtClean="0"/>
-              <a:t>6/24/2016</a:t>
+              <a:t>5/16/2018</a:t>
             </a:fld>
             <a:endParaRPr lang="en-US"/>
           </a:p>
@@ -1168,7 +1168,7 @@
           <a:p>
             <a:fld id="{A2B0D24E-6441-4C34-9150-7D417DBEA707}" type="datetimeFigureOut">
               <a:rPr lang="en-US" smtClean="0"/>
-              <a:t>6/24/2016</a:t>
+              <a:t>5/16/2018</a:t>
             </a:fld>
             <a:endParaRPr lang="en-US"/>
           </a:p>
@@ -1336,7 +1336,7 @@
           <a:p>
             <a:fld id="{A2B0D24E-6441-4C34-9150-7D417DBEA707}" type="datetimeFigureOut">
               <a:rPr lang="en-US" smtClean="0"/>
-              <a:t>6/24/2016</a:t>
+              <a:t>5/16/2018</a:t>
             </a:fld>
             <a:endParaRPr lang="en-US"/>
           </a:p>
@@ -1581,7 +1581,7 @@
           <a:p>
             <a:fld id="{A2B0D24E-6441-4C34-9150-7D417DBEA707}" type="datetimeFigureOut">
               <a:rPr lang="en-US" smtClean="0"/>
-              <a:t>6/24/2016</a:t>
+              <a:t>5/16/2018</a:t>
             </a:fld>
             <a:endParaRPr lang="en-US"/>
           </a:p>
@@ -1810,7 +1810,7 @@
           <a:p>
             <a:fld id="{A2B0D24E-6441-4C34-9150-7D417DBEA707}" type="datetimeFigureOut">
               <a:rPr lang="en-US" smtClean="0"/>
-              <a:t>6/24/2016</a:t>
+              <a:t>5/16/2018</a:t>
             </a:fld>
             <a:endParaRPr lang="en-US"/>
           </a:p>
@@ -2174,7 +2174,7 @@
           <a:p>
             <a:fld id="{A2B0D24E-6441-4C34-9150-7D417DBEA707}" type="datetimeFigureOut">
               <a:rPr lang="en-US" smtClean="0"/>
-              <a:t>6/24/2016</a:t>
+              <a:t>5/16/2018</a:t>
             </a:fld>
             <a:endParaRPr lang="en-US"/>
           </a:p>
@@ -2291,7 +2291,7 @@
           <a:p>
             <a:fld id="{A2B0D24E-6441-4C34-9150-7D417DBEA707}" type="datetimeFigureOut">
               <a:rPr lang="en-US" smtClean="0"/>
-              <a:t>6/24/2016</a:t>
+              <a:t>5/16/2018</a:t>
             </a:fld>
             <a:endParaRPr lang="en-US"/>
           </a:p>
@@ -2386,7 +2386,7 @@
           <a:p>
             <a:fld id="{A2B0D24E-6441-4C34-9150-7D417DBEA707}" type="datetimeFigureOut">
               <a:rPr lang="en-US" smtClean="0"/>
-              <a:t>6/24/2016</a:t>
+              <a:t>5/16/2018</a:t>
             </a:fld>
             <a:endParaRPr lang="en-US"/>
           </a:p>
@@ -2661,7 +2661,7 @@
           <a:p>
             <a:fld id="{A2B0D24E-6441-4C34-9150-7D417DBEA707}" type="datetimeFigureOut">
               <a:rPr lang="en-US" smtClean="0"/>
-              <a:t>6/24/2016</a:t>
+              <a:t>5/16/2018</a:t>
             </a:fld>
             <a:endParaRPr lang="en-US"/>
           </a:p>
@@ -2913,7 +2913,7 @@
           <a:p>
             <a:fld id="{A2B0D24E-6441-4C34-9150-7D417DBEA707}" type="datetimeFigureOut">
               <a:rPr lang="en-US" smtClean="0"/>
-              <a:t>6/24/2016</a:t>
+              <a:t>5/16/2018</a:t>
             </a:fld>
             <a:endParaRPr lang="en-US"/>
           </a:p>
@@ -3124,7 +3124,7 @@
           <a:p>
             <a:fld id="{A2B0D24E-6441-4C34-9150-7D417DBEA707}" type="datetimeFigureOut">
               <a:rPr lang="en-US" smtClean="0"/>
-              <a:t>6/24/2016</a:t>
+              <a:t>5/16/2018</a:t>
             </a:fld>
             <a:endParaRPr lang="en-US"/>
           </a:p>
@@ -3624,7 +3624,7 @@
           <a:p>
             <a:r>
               <a:rPr lang="en-US" dirty="0"/>
-              <a:t>jimmybogard.lostechies.com</a:t>
+              <a:t>jimmybogard.com</a:t>
             </a:r>
           </a:p>
         </p:txBody>
@@ -12642,7 +12642,7 @@
 </file>
 
 <file path=ppt/slides/slide47.xml><?xml version="1.0" encoding="utf-8"?>
-<p:sld xmlns:a="http://schemas.openxmlformats.org/drawingml/2006/main" xmlns:r="http://schemas.openxmlformats.org/officeDocument/2006/relationships" xmlns:p="http://schemas.openxmlformats.org/presentationml/2006/main">
+<p:sld xmlns:a="http://schemas.openxmlformats.org/drawingml/2006/main" xmlns:r="http://schemas.openxmlformats.org/officeDocument/2006/relationships" xmlns:p="http://schemas.openxmlformats.org/presentationml/2006/main" show="0">
   <p:cSld>
     <p:spTree>
       <p:nvGrpSpPr>
@@ -12720,7 +12720,7 @@
 </file>
 
 <file path=ppt/slides/slide48.xml><?xml version="1.0" encoding="utf-8"?>
-<p:sld xmlns:a="http://schemas.openxmlformats.org/drawingml/2006/main" xmlns:r="http://schemas.openxmlformats.org/officeDocument/2006/relationships" xmlns:p="http://schemas.openxmlformats.org/presentationml/2006/main">
+<p:sld xmlns:a="http://schemas.openxmlformats.org/drawingml/2006/main" xmlns:r="http://schemas.openxmlformats.org/officeDocument/2006/relationships" xmlns:p="http://schemas.openxmlformats.org/presentationml/2006/main" show="0">
   <p:cSld>
     <p:spTree>
       <p:nvGrpSpPr>
@@ -14713,7 +14713,7 @@
         </p:spPr>
         <p:txBody>
           <a:bodyPr>
-            <a:normAutofit lnSpcReduction="10000"/>
+            <a:normAutofit/>
           </a:bodyPr>
           <a:lstStyle/>
           <a:p>
@@ -14747,13 +14747,7 @@
           <a:p>
             <a:r>
               <a:rPr lang="en-US" dirty="0"/>
-              <a:t>jimmybogard.lostechies.com</a:t>
-            </a:r>
-          </a:p>
-          <a:p>
-            <a:r>
-              <a:rPr lang="en-US" dirty="0"/>
-              <a:t>11xengineering.com</a:t>
+              <a:t>jimmybogard.com</a:t>
             </a:r>
           </a:p>
           <a:p>
@@ -14775,84 +14769,6 @@
           </a:p>
         </p:txBody>
       </p:sp>
-      <p:sp>
-        <p:nvSpPr>
-          <p:cNvPr id="5" name="TextBox 4"/>
-          <p:cNvSpPr txBox="1"/>
-          <p:nvPr/>
-        </p:nvSpPr>
-        <p:spPr>
-          <a:xfrm>
-            <a:off x="8880232" y="4492868"/>
-            <a:ext cx="2857500" cy="954107"/>
-          </a:xfrm>
-          <a:prstGeom prst="rect">
-            <a:avLst/>
-          </a:prstGeom>
-          <a:noFill/>
-          <a:ln w="38100">
-            <a:solidFill>
-              <a:schemeClr val="accent2"/>
-            </a:solidFill>
-          </a:ln>
-        </p:spPr>
-        <p:txBody>
-          <a:bodyPr wrap="square" rtlCol="0">
-            <a:spAutoFit/>
-          </a:bodyPr>
-          <a:lstStyle/>
-          <a:p>
-            <a:pPr algn="ctr"/>
-            <a:r>
-              <a:rPr lang="en-US" sz="2800" dirty="0"/>
-              <a:t>Promo Code:</a:t>
-            </a:r>
-          </a:p>
-          <a:p>
-            <a:pPr algn="ctr"/>
-            <a:r>
-              <a:rPr lang="en-US" sz="2800" dirty="0"/>
-              <a:t>KCDC</a:t>
-            </a:r>
-          </a:p>
-        </p:txBody>
-      </p:sp>
-      <p:cxnSp>
-        <p:nvCxnSpPr>
-          <p:cNvPr id="7" name="Straight Arrow Connector 6"/>
-          <p:cNvCxnSpPr/>
-          <p:nvPr/>
-        </p:nvCxnSpPr>
-        <p:spPr>
-          <a:xfrm>
-            <a:off x="7983415" y="5020408"/>
-            <a:ext cx="685800" cy="0"/>
-          </a:xfrm>
-          <a:prstGeom prst="straightConnector1">
-            <a:avLst/>
-          </a:prstGeom>
-          <a:ln w="38100">
-            <a:solidFill>
-              <a:schemeClr val="accent2"/>
-            </a:solidFill>
-            <a:tailEnd type="triangle"/>
-          </a:ln>
-        </p:spPr>
-        <p:style>
-          <a:lnRef idx="1">
-            <a:schemeClr val="accent1"/>
-          </a:lnRef>
-          <a:fillRef idx="0">
-            <a:schemeClr val="accent1"/>
-          </a:fillRef>
-          <a:effectRef idx="0">
-            <a:schemeClr val="accent1"/>
-          </a:effectRef>
-          <a:fontRef idx="minor">
-            <a:schemeClr val="tx1"/>
-          </a:fontRef>
-        </p:style>
-      </p:cxnSp>
       <p:pic>
         <p:nvPicPr>
           <p:cNvPr id="6" name="Picture 2" descr="http://cdn.brobible.com/wp-content/uploads/2014/04/poo-emoji.jpg"/>
